--- a/doc/pptv2.pptx
+++ b/doc/pptv2.pptx
@@ -663,11 +663,7 @@
           <a:p>
             <a:r>
               <a:rPr lang="zh-CN" altLang="en-US" dirty="0" smtClean="0"/>
-              <a:t>这个编译过程的产生，也为我们灵活的扩充前端架构功能提供了支持，在编译过程中可做的事情会越来越多</a:t>
-            </a:r>
-            <a:r>
-              <a:rPr lang="zh-CN" altLang="en-US" dirty="0" smtClean="0"/>
-              <a:t>。</a:t>
+              <a:t>这个编译过程的产生，也为我们灵活的扩充前端架构功能提供了支持，在编译过程中可做的事情会越来越多。</a:t>
             </a:r>
             <a:endParaRPr lang="en-US" altLang="zh-CN" dirty="0" smtClean="0"/>
           </a:p>
@@ -4270,11 +4266,7 @@
           <a:p>
             <a:r>
               <a:rPr lang="zh-CN" altLang="en-US" dirty="0" smtClean="0"/>
-              <a:t>保证一个库在一个工作区中只存在一份代码，实现一处编写，处处编译</a:t>
-            </a:r>
-            <a:r>
-              <a:rPr lang="zh-CN" altLang="en-US" dirty="0" smtClean="0"/>
-              <a:t>。</a:t>
+              <a:t>保证一个库在一个工作区中只存在一份代码，实现一处编写，处处编译。</a:t>
             </a:r>
             <a:endParaRPr lang="en-US" altLang="zh-CN" dirty="0" smtClean="0"/>
           </a:p>
@@ -4909,11 +4901,7 @@
           <a:p>
             <a:r>
               <a:rPr lang="zh-CN" altLang="en-US" dirty="0" smtClean="0"/>
-              <a:t>永远不要直接修改发布目录的</a:t>
-            </a:r>
-            <a:r>
-              <a:rPr lang="zh-CN" altLang="en-US" dirty="0" smtClean="0"/>
-              <a:t>文件，因为修改了源文件后，发布文件会被覆盖</a:t>
+              <a:t>永远不要直接修改发布目录的文件，因为修改了源文件后，发布文件会被覆盖</a:t>
             </a:r>
             <a:endParaRPr lang="en-US" altLang="zh-CN" dirty="0" smtClean="0"/>
           </a:p>
@@ -5656,15 +5644,7 @@
           <a:p>
             <a:r>
               <a:rPr lang="zh-CN" altLang="en-US" dirty="0" smtClean="0"/>
-              <a:t>文档</a:t>
-            </a:r>
-            <a:r>
-              <a:rPr lang="zh-CN" altLang="en-US" dirty="0" smtClean="0"/>
-              <a:t>、单元测试</a:t>
-            </a:r>
-            <a:r>
-              <a:rPr lang="zh-CN" altLang="en-US" dirty="0" smtClean="0"/>
-              <a:t>等等</a:t>
+              <a:t>文档、单元测试等等</a:t>
             </a:r>
             <a:endParaRPr lang="zh-CN" altLang="en-US" dirty="0"/>
           </a:p>
@@ -5717,11 +5697,7 @@
           <a:p>
             <a:r>
               <a:rPr lang="zh-CN" altLang="en-US" dirty="0" smtClean="0"/>
-              <a:t>一个典型</a:t>
-            </a:r>
-            <a:r>
-              <a:rPr lang="zh-CN" altLang="en-US" dirty="0" smtClean="0"/>
-              <a:t>的前端项目</a:t>
+              <a:t>一个典型的前端项目</a:t>
             </a:r>
             <a:endParaRPr lang="zh-CN" altLang="en-US" dirty="0"/>
           </a:p>
@@ -5860,11 +5836,7 @@
             </a:r>
             <a:r>
               <a:rPr lang="zh-CN" altLang="en-US" dirty="0" smtClean="0"/>
-              <a:t>的代码构建</a:t>
-            </a:r>
-            <a:r>
-              <a:rPr lang="zh-CN" altLang="en-US" dirty="0" smtClean="0"/>
-              <a:t>工具，一个控制台程序</a:t>
+              <a:t>的代码构建工具，一个控制台程序</a:t>
             </a:r>
             <a:endParaRPr lang="en-US" altLang="zh-CN" dirty="0" smtClean="0"/>
           </a:p>
@@ -5909,11 +5881,7 @@
           <a:p>
             <a:r>
               <a:rPr lang="zh-CN" altLang="en-US" dirty="0" smtClean="0"/>
-              <a:t>可</a:t>
-            </a:r>
-            <a:r>
-              <a:rPr lang="zh-CN" altLang="en-US" dirty="0" smtClean="0"/>
-              <a:t>与</a:t>
+              <a:t>可与</a:t>
             </a:r>
             <a:r>
               <a:rPr lang="en-US" altLang="zh-CN" dirty="0" smtClean="0"/>
@@ -6191,17 +6159,13 @@
         <p:spPr/>
         <p:txBody>
           <a:bodyPr>
-            <a:normAutofit/>
+            <a:normAutofit fontScale="92500" lnSpcReduction="10000"/>
           </a:bodyPr>
           <a:lstStyle/>
           <a:p>
             <a:r>
               <a:rPr lang="zh-CN" altLang="en-US" dirty="0" smtClean="0"/>
-              <a:t>前端静态</a:t>
-            </a:r>
-            <a:r>
-              <a:rPr lang="zh-CN" altLang="en-US" dirty="0" smtClean="0"/>
-              <a:t>“库”，包括</a:t>
+              <a:t>前端静态“库”，包括</a:t>
             </a:r>
             <a:r>
               <a:rPr lang="en-US" altLang="zh-CN" dirty="0" err="1" smtClean="0"/>
@@ -6240,15 +6204,7 @@
           <a:p>
             <a:r>
               <a:rPr lang="zh-CN" altLang="en-US" dirty="0" smtClean="0"/>
-              <a:t>严格</a:t>
-            </a:r>
-            <a:r>
-              <a:rPr lang="zh-CN" altLang="en-US" dirty="0" smtClean="0"/>
-              <a:t>区分</a:t>
-            </a:r>
-            <a:r>
-              <a:rPr lang="zh-CN" altLang="en-US" dirty="0" smtClean="0"/>
-              <a:t>“源</a:t>
+              <a:t>严格区分“源</a:t>
             </a:r>
             <a:r>
               <a:rPr lang="zh-CN" altLang="en-US" dirty="0"/>
@@ -6256,15 +6212,7 @@
             </a:r>
             <a:r>
               <a:rPr lang="zh-CN" altLang="en-US" dirty="0" smtClean="0"/>
-              <a:t>”</a:t>
-            </a:r>
-            <a:r>
-              <a:rPr lang="zh-CN" altLang="en-US" dirty="0" smtClean="0"/>
-              <a:t>与</a:t>
-            </a:r>
-            <a:r>
-              <a:rPr lang="zh-CN" altLang="en-US" dirty="0" smtClean="0"/>
-              <a:t>“发布库”</a:t>
+              <a:t>”与“发布库”</a:t>
             </a:r>
             <a:endParaRPr lang="en-US" altLang="zh-CN" dirty="0" smtClean="0"/>
           </a:p>
@@ -6282,11 +6230,18 @@
           <a:p>
             <a:r>
               <a:rPr lang="zh-CN" altLang="en-US" dirty="0" smtClean="0"/>
-              <a:t>保持每个库的独立性，不通过路径进行</a:t>
-            </a:r>
-            <a:r>
-              <a:rPr lang="zh-CN" altLang="en-US" dirty="0" smtClean="0"/>
-              <a:t>依赖，通过唯一标识处理依赖</a:t>
+              <a:t>保持每个库的独立性，不通过路径进行依赖，通过唯一标识处理</a:t>
+            </a:r>
+            <a:r>
+              <a:rPr lang="zh-CN" altLang="en-US" dirty="0" smtClean="0"/>
+              <a:t>依赖</a:t>
+            </a:r>
+            <a:endParaRPr lang="en-US" altLang="zh-CN" dirty="0"/>
+          </a:p>
+          <a:p>
+            <a:r>
+              <a:rPr lang="zh-CN" altLang="en-US" dirty="0" smtClean="0"/>
+              <a:t>源库中只存在最小粒度的源文件</a:t>
             </a:r>
             <a:endParaRPr lang="en-US" altLang="zh-CN" dirty="0"/>
           </a:p>

--- a/doc/pptv2.pptx
+++ b/doc/pptv2.pptx
@@ -5,7 +5,7 @@
     <p:sldMasterId id="2147483648" r:id="rId1"/>
   </p:sldMasterIdLst>
   <p:notesMasterIdLst>
-    <p:notesMasterId r:id="rId22"/>
+    <p:notesMasterId r:id="rId24"/>
   </p:notesMasterIdLst>
   <p:sldIdLst>
     <p:sldId id="256" r:id="rId2"/>
@@ -13,21 +13,23 @@
     <p:sldId id="269" r:id="rId4"/>
     <p:sldId id="270" r:id="rId5"/>
     <p:sldId id="266" r:id="rId6"/>
-    <p:sldId id="273" r:id="rId7"/>
-    <p:sldId id="259" r:id="rId8"/>
-    <p:sldId id="272" r:id="rId9"/>
-    <p:sldId id="274" r:id="rId10"/>
-    <p:sldId id="275" r:id="rId11"/>
-    <p:sldId id="265" r:id="rId12"/>
-    <p:sldId id="263" r:id="rId13"/>
-    <p:sldId id="271" r:id="rId14"/>
-    <p:sldId id="276" r:id="rId15"/>
-    <p:sldId id="277" r:id="rId16"/>
-    <p:sldId id="262" r:id="rId17"/>
-    <p:sldId id="258" r:id="rId18"/>
-    <p:sldId id="268" r:id="rId19"/>
-    <p:sldId id="278" r:id="rId20"/>
-    <p:sldId id="267" r:id="rId21"/>
+    <p:sldId id="280" r:id="rId7"/>
+    <p:sldId id="273" r:id="rId8"/>
+    <p:sldId id="259" r:id="rId9"/>
+    <p:sldId id="272" r:id="rId10"/>
+    <p:sldId id="274" r:id="rId11"/>
+    <p:sldId id="275" r:id="rId12"/>
+    <p:sldId id="265" r:id="rId13"/>
+    <p:sldId id="263" r:id="rId14"/>
+    <p:sldId id="271" r:id="rId15"/>
+    <p:sldId id="276" r:id="rId16"/>
+    <p:sldId id="277" r:id="rId17"/>
+    <p:sldId id="262" r:id="rId18"/>
+    <p:sldId id="258" r:id="rId19"/>
+    <p:sldId id="268" r:id="rId20"/>
+    <p:sldId id="278" r:id="rId21"/>
+    <p:sldId id="267" r:id="rId22"/>
+    <p:sldId id="279" r:id="rId23"/>
   </p:sldIdLst>
   <p:sldSz cx="9144000" cy="6858000" type="screen4x3"/>
   <p:notesSz cx="6858000" cy="9144000"/>
@@ -211,7 +213,7 @@
           <a:p>
             <a:fld id="{5721A269-9487-46E9-B8E0-23279A64B140}" type="datetimeFigureOut">
               <a:rPr lang="zh-CN" altLang="en-US" smtClean="0"/>
-              <a:t>2011/7/25</a:t>
+              <a:t>2011/7/29</a:t>
             </a:fld>
             <a:endParaRPr lang="zh-CN" altLang="en-US"/>
           </a:p>
@@ -784,7 +786,7 @@
           <a:p>
             <a:fld id="{80E6C9AB-17DC-46CD-B62E-9909C8768DC5}" type="slidenum">
               <a:rPr lang="zh-CN" altLang="en-US" smtClean="0"/>
-              <a:t>7</a:t>
+              <a:t>8</a:t>
             </a:fld>
             <a:endParaRPr lang="zh-CN" altLang="en-US"/>
           </a:p>
@@ -868,7 +870,7 @@
           <a:p>
             <a:fld id="{80E6C9AB-17DC-46CD-B62E-9909C8768DC5}" type="slidenum">
               <a:rPr lang="zh-CN" altLang="en-US" smtClean="0"/>
-              <a:t>10</a:t>
+              <a:t>11</a:t>
             </a:fld>
             <a:endParaRPr lang="zh-CN" altLang="en-US"/>
           </a:p>
@@ -968,7 +970,7 @@
           <a:p>
             <a:fld id="{80E6C9AB-17DC-46CD-B62E-9909C8768DC5}" type="slidenum">
               <a:rPr lang="zh-CN" altLang="en-US" smtClean="0"/>
-              <a:t>13</a:t>
+              <a:t>14</a:t>
             </a:fld>
             <a:endParaRPr lang="zh-CN" altLang="en-US"/>
           </a:p>
@@ -1052,7 +1054,7 @@
           <a:p>
             <a:fld id="{80E6C9AB-17DC-46CD-B62E-9909C8768DC5}" type="slidenum">
               <a:rPr lang="zh-CN" altLang="en-US" smtClean="0"/>
-              <a:t>14</a:t>
+              <a:t>15</a:t>
             </a:fld>
             <a:endParaRPr lang="zh-CN" altLang="en-US"/>
           </a:p>
@@ -1252,7 +1254,7 @@
           <a:p>
             <a:fld id="{530820CF-B880-4189-942D-D702A7CBA730}" type="datetimeFigureOut">
               <a:rPr lang="zh-CN" altLang="en-US" smtClean="0"/>
-              <a:t>2011/7/25</a:t>
+              <a:t>2011/7/29</a:t>
             </a:fld>
             <a:endParaRPr lang="zh-CN" altLang="en-US"/>
           </a:p>
@@ -1417,7 +1419,7 @@
           <a:p>
             <a:fld id="{530820CF-B880-4189-942D-D702A7CBA730}" type="datetimeFigureOut">
               <a:rPr lang="zh-CN" altLang="en-US" smtClean="0"/>
-              <a:t>2011/7/25</a:t>
+              <a:t>2011/7/29</a:t>
             </a:fld>
             <a:endParaRPr lang="zh-CN" altLang="en-US"/>
           </a:p>
@@ -1592,7 +1594,7 @@
           <a:p>
             <a:fld id="{530820CF-B880-4189-942D-D702A7CBA730}" type="datetimeFigureOut">
               <a:rPr lang="zh-CN" altLang="en-US" smtClean="0"/>
-              <a:t>2011/7/25</a:t>
+              <a:t>2011/7/29</a:t>
             </a:fld>
             <a:endParaRPr lang="zh-CN" altLang="en-US"/>
           </a:p>
@@ -1757,7 +1759,7 @@
           <a:p>
             <a:fld id="{530820CF-B880-4189-942D-D702A7CBA730}" type="datetimeFigureOut">
               <a:rPr lang="zh-CN" altLang="en-US" smtClean="0"/>
-              <a:t>2011/7/25</a:t>
+              <a:t>2011/7/29</a:t>
             </a:fld>
             <a:endParaRPr lang="zh-CN" altLang="en-US"/>
           </a:p>
@@ -1998,7 +2000,7 @@
           <a:p>
             <a:fld id="{530820CF-B880-4189-942D-D702A7CBA730}" type="datetimeFigureOut">
               <a:rPr lang="zh-CN" altLang="en-US" smtClean="0"/>
-              <a:t>2011/7/25</a:t>
+              <a:t>2011/7/29</a:t>
             </a:fld>
             <a:endParaRPr lang="zh-CN" altLang="en-US"/>
           </a:p>
@@ -2281,7 +2283,7 @@
           <a:p>
             <a:fld id="{530820CF-B880-4189-942D-D702A7CBA730}" type="datetimeFigureOut">
               <a:rPr lang="zh-CN" altLang="en-US" smtClean="0"/>
-              <a:t>2011/7/25</a:t>
+              <a:t>2011/7/29</a:t>
             </a:fld>
             <a:endParaRPr lang="zh-CN" altLang="en-US"/>
           </a:p>
@@ -2698,7 +2700,7 @@
           <a:p>
             <a:fld id="{530820CF-B880-4189-942D-D702A7CBA730}" type="datetimeFigureOut">
               <a:rPr lang="zh-CN" altLang="en-US" smtClean="0"/>
-              <a:t>2011/7/25</a:t>
+              <a:t>2011/7/29</a:t>
             </a:fld>
             <a:endParaRPr lang="zh-CN" altLang="en-US"/>
           </a:p>
@@ -2811,7 +2813,7 @@
           <a:p>
             <a:fld id="{530820CF-B880-4189-942D-D702A7CBA730}" type="datetimeFigureOut">
               <a:rPr lang="zh-CN" altLang="en-US" smtClean="0"/>
-              <a:t>2011/7/25</a:t>
+              <a:t>2011/7/29</a:t>
             </a:fld>
             <a:endParaRPr lang="zh-CN" altLang="en-US"/>
           </a:p>
@@ -2901,7 +2903,7 @@
           <a:p>
             <a:fld id="{530820CF-B880-4189-942D-D702A7CBA730}" type="datetimeFigureOut">
               <a:rPr lang="zh-CN" altLang="en-US" smtClean="0"/>
-              <a:t>2011/7/25</a:t>
+              <a:t>2011/7/29</a:t>
             </a:fld>
             <a:endParaRPr lang="zh-CN" altLang="en-US"/>
           </a:p>
@@ -3173,7 +3175,7 @@
           <a:p>
             <a:fld id="{530820CF-B880-4189-942D-D702A7CBA730}" type="datetimeFigureOut">
               <a:rPr lang="zh-CN" altLang="en-US" smtClean="0"/>
-              <a:t>2011/7/25</a:t>
+              <a:t>2011/7/29</a:t>
             </a:fld>
             <a:endParaRPr lang="zh-CN" altLang="en-US"/>
           </a:p>
@@ -3421,7 +3423,7 @@
           <a:p>
             <a:fld id="{530820CF-B880-4189-942D-D702A7CBA730}" type="datetimeFigureOut">
               <a:rPr lang="zh-CN" altLang="en-US" smtClean="0"/>
-              <a:t>2011/7/25</a:t>
+              <a:t>2011/7/29</a:t>
             </a:fld>
             <a:endParaRPr lang="zh-CN" altLang="en-US"/>
           </a:p>
@@ -3629,7 +3631,7 @@
           <a:p>
             <a:fld id="{530820CF-B880-4189-942D-D702A7CBA730}" type="datetimeFigureOut">
               <a:rPr lang="zh-CN" altLang="en-US" smtClean="0"/>
-              <a:t>2011/7/25</a:t>
+              <a:t>2011/7/29</a:t>
             </a:fld>
             <a:endParaRPr lang="zh-CN" altLang="en-US"/>
           </a:p>
@@ -4076,6 +4078,13 @@
   <p:clrMapOvr>
     <a:masterClrMapping/>
   </p:clrMapOvr>
+  <p:timing>
+    <p:tnLst>
+      <p:par>
+        <p:cTn id="1" dur="indefinite" restart="never" nodeType="tmRoot"/>
+      </p:par>
+    </p:tnLst>
+  </p:timing>
 </p:sld>
 </file>
 
@@ -4113,7 +4122,7 @@
           <a:p>
             <a:r>
               <a:rPr lang="zh-CN" altLang="en-US" dirty="0" smtClean="0"/>
-              <a:t>标识连接</a:t>
+              <a:t>本地连接</a:t>
             </a:r>
             <a:endParaRPr lang="zh-CN" altLang="en-US" dirty="0"/>
           </a:p>
@@ -4136,40 +4145,40 @@
           <a:p>
             <a:r>
               <a:rPr lang="zh-CN" altLang="en-US" dirty="0"/>
-              <a:t>标识连接，发布库中保存了源库的唯一</a:t>
-            </a:r>
-            <a:r>
-              <a:rPr lang="zh-CN" altLang="en-US" dirty="0" smtClean="0"/>
-              <a:t>标识</a:t>
+              <a:t>本地连接，发布库中直接保存了源库的</a:t>
+            </a:r>
+            <a:r>
+              <a:rPr lang="zh-CN" altLang="en-US" dirty="0" smtClean="0"/>
+              <a:t>本地路径</a:t>
             </a:r>
             <a:endParaRPr lang="en-US" altLang="zh-CN" dirty="0" smtClean="0"/>
           </a:p>
           <a:p>
             <a:r>
               <a:rPr lang="zh-CN" altLang="en-US" dirty="0" smtClean="0"/>
-              <a:t>优点：只需项目创建者建立一次连接；有工作区支持，可以处理项目依赖</a:t>
+              <a:t>优点：无需工作区支持</a:t>
             </a:r>
             <a:endParaRPr lang="en-US" altLang="zh-CN" dirty="0" smtClean="0"/>
           </a:p>
           <a:p>
             <a:r>
               <a:rPr lang="zh-CN" altLang="en-US" dirty="0" smtClean="0"/>
-              <a:t>缺点：需要工作区支持</a:t>
+              <a:t>缺点：每个开发人员都需要自己通过</a:t>
+            </a:r>
+            <a:r>
+              <a:rPr lang="en-US" altLang="zh-CN" dirty="0" smtClean="0"/>
+              <a:t>link</a:t>
+            </a:r>
+            <a:r>
+              <a:rPr lang="zh-CN" altLang="en-US" dirty="0" smtClean="0"/>
+              <a:t>命令建立连接；无法处理依赖</a:t>
             </a:r>
             <a:endParaRPr lang="en-US" altLang="zh-CN" dirty="0" smtClean="0"/>
           </a:p>
           <a:p>
             <a:r>
-              <a:rPr lang="zh-CN" altLang="en-US" dirty="0"/>
-              <a:t>处理依赖 </a:t>
-            </a:r>
-            <a:r>
-              <a:rPr lang="en-US" altLang="zh-CN" dirty="0"/>
-              <a:t>– </a:t>
-            </a:r>
-            <a:r>
-              <a:rPr lang="zh-CN" altLang="en-US" dirty="0" smtClean="0"/>
-              <a:t>工作区</a:t>
+              <a:rPr lang="zh-CN" altLang="en-US" dirty="0" smtClean="0"/>
+              <a:t>用于：独立、临时性的小项目</a:t>
             </a:r>
             <a:endParaRPr lang="en-US" altLang="zh-CN" dirty="0"/>
           </a:p>
@@ -4181,7 +4190,7 @@
     </p:spTree>
     <p:extLst>
       <p:ext uri="{BB962C8B-B14F-4D97-AF65-F5344CB8AC3E}">
-        <p14:creationId xmlns:p14="http://schemas.microsoft.com/office/powerpoint/2010/main" val="3944983498"/>
+        <p14:creationId xmlns:p14="http://schemas.microsoft.com/office/powerpoint/2010/main" val="1302377778"/>
       </p:ext>
     </p:extLst>
   </p:cSld>
@@ -4225,64 +4234,67 @@
           <a:p>
             <a:r>
               <a:rPr lang="zh-CN" altLang="en-US" dirty="0" smtClean="0"/>
+              <a:t>标识连接</a:t>
+            </a:r>
+            <a:endParaRPr lang="zh-CN" altLang="en-US" dirty="0"/>
+          </a:p>
+        </p:txBody>
+      </p:sp>
+      <p:sp>
+        <p:nvSpPr>
+          <p:cNvPr id="3" name="内容占位符 2"/>
+          <p:cNvSpPr>
+            <a:spLocks noGrp="1"/>
+          </p:cNvSpPr>
+          <p:nvPr>
+            <p:ph idx="1"/>
+          </p:nvPr>
+        </p:nvSpPr>
+        <p:spPr/>
+        <p:txBody>
+          <a:bodyPr/>
+          <a:lstStyle/>
+          <a:p>
+            <a:r>
+              <a:rPr lang="zh-CN" altLang="en-US" dirty="0"/>
+              <a:t>标识连接，发布库中保存了源库的唯一</a:t>
+            </a:r>
+            <a:r>
+              <a:rPr lang="zh-CN" altLang="en-US" dirty="0" smtClean="0"/>
+              <a:t>标识</a:t>
+            </a:r>
+            <a:endParaRPr lang="en-US" altLang="zh-CN" dirty="0" smtClean="0"/>
+          </a:p>
+          <a:p>
+            <a:r>
+              <a:rPr lang="zh-CN" altLang="en-US" dirty="0" smtClean="0"/>
+              <a:t>优点：只需项目创建者建立一次连接；有工作区支持，可以处理项目依赖</a:t>
+            </a:r>
+            <a:endParaRPr lang="en-US" altLang="zh-CN" dirty="0" smtClean="0"/>
+          </a:p>
+          <a:p>
+            <a:r>
+              <a:rPr lang="zh-CN" altLang="en-US" dirty="0" smtClean="0"/>
+              <a:t>缺点：需要工作区支持</a:t>
+            </a:r>
+            <a:endParaRPr lang="en-US" altLang="zh-CN" dirty="0" smtClean="0"/>
+          </a:p>
+          <a:p>
+            <a:r>
+              <a:rPr lang="zh-CN" altLang="en-US" dirty="0"/>
+              <a:t>处理依赖 </a:t>
+            </a:r>
+            <a:r>
+              <a:rPr lang="en-US" altLang="zh-CN" dirty="0"/>
+              <a:t>– </a:t>
+            </a:r>
+            <a:r>
+              <a:rPr lang="zh-CN" altLang="en-US" dirty="0" smtClean="0"/>
               <a:t>工作区</a:t>
             </a:r>
-            <a:endParaRPr lang="zh-CN" altLang="en-US" dirty="0"/>
-          </a:p>
-        </p:txBody>
-      </p:sp>
-      <p:sp>
-        <p:nvSpPr>
-          <p:cNvPr id="3" name="内容占位符 2"/>
-          <p:cNvSpPr>
-            <a:spLocks noGrp="1"/>
-          </p:cNvSpPr>
-          <p:nvPr>
-            <p:ph idx="1"/>
-          </p:nvPr>
-        </p:nvSpPr>
-        <p:spPr/>
-        <p:txBody>
-          <a:bodyPr/>
-          <a:lstStyle/>
-          <a:p>
-            <a:r>
-              <a:rPr lang="zh-CN" altLang="en-US" dirty="0" smtClean="0"/>
-              <a:t>一个包含了多个库的磁盘目录</a:t>
-            </a:r>
-            <a:endParaRPr lang="en-US" altLang="zh-CN" dirty="0" smtClean="0"/>
-          </a:p>
-          <a:p>
-            <a:r>
-              <a:rPr lang="zh-CN" altLang="en-US" dirty="0"/>
-              <a:t>一个</a:t>
-            </a:r>
-            <a:r>
-              <a:rPr lang="zh-CN" altLang="en-US" dirty="0" smtClean="0"/>
-              <a:t>工作区中的多个库可以通过库的唯一标识进行依赖，不通过磁盘路径进行依赖</a:t>
-            </a:r>
-            <a:endParaRPr lang="en-US" altLang="zh-CN" dirty="0" smtClean="0"/>
-          </a:p>
-          <a:p>
-            <a:r>
-              <a:rPr lang="zh-CN" altLang="en-US" dirty="0" smtClean="0"/>
-              <a:t>保证一个库在一个工作区中只存在一份代码，实现一处编写，处处编译。</a:t>
-            </a:r>
-            <a:endParaRPr lang="en-US" altLang="zh-CN" dirty="0" smtClean="0"/>
-          </a:p>
-          <a:p>
-            <a:r>
-              <a:rPr lang="zh-CN" altLang="en-US" dirty="0" smtClean="0"/>
-              <a:t>通过</a:t>
-            </a:r>
-            <a:r>
-              <a:rPr lang="en-US" altLang="zh-CN" dirty="0" smtClean="0"/>
-              <a:t>load</a:t>
-            </a:r>
-            <a:r>
-              <a:rPr lang="zh-CN" altLang="en-US" dirty="0" smtClean="0"/>
-              <a:t>命令加载、初始化工作区</a:t>
-            </a:r>
+            <a:endParaRPr lang="en-US" altLang="zh-CN" dirty="0"/>
+          </a:p>
+          <a:p>
             <a:endParaRPr lang="zh-CN" altLang="en-US" dirty="0"/>
           </a:p>
         </p:txBody>
@@ -4290,7 +4302,7 @@
     </p:spTree>
     <p:extLst>
       <p:ext uri="{BB962C8B-B14F-4D97-AF65-F5344CB8AC3E}">
-        <p14:creationId xmlns:p14="http://schemas.microsoft.com/office/powerpoint/2010/main" val="2608021115"/>
+        <p14:creationId xmlns:p14="http://schemas.microsoft.com/office/powerpoint/2010/main" val="3944983498"/>
       </p:ext>
     </p:extLst>
   </p:cSld>
@@ -4334,115 +4346,72 @@
           <a:p>
             <a:r>
               <a:rPr lang="zh-CN" altLang="en-US" dirty="0" smtClean="0"/>
-              <a:t>编写</a:t>
+              <a:t>工作区</a:t>
+            </a:r>
+            <a:endParaRPr lang="zh-CN" altLang="en-US" dirty="0"/>
+          </a:p>
+        </p:txBody>
+      </p:sp>
+      <p:sp>
+        <p:nvSpPr>
+          <p:cNvPr id="3" name="内容占位符 2"/>
+          <p:cNvSpPr>
+            <a:spLocks noGrp="1"/>
+          </p:cNvSpPr>
+          <p:nvPr>
+            <p:ph idx="1"/>
+          </p:nvPr>
+        </p:nvSpPr>
+        <p:spPr/>
+        <p:txBody>
+          <a:bodyPr/>
+          <a:lstStyle/>
+          <a:p>
+            <a:r>
+              <a:rPr lang="zh-CN" altLang="en-US" dirty="0" smtClean="0"/>
+              <a:t>一个包含了多个库的磁盘目录</a:t>
+            </a:r>
+            <a:endParaRPr lang="en-US" altLang="zh-CN" dirty="0" smtClean="0"/>
+          </a:p>
+          <a:p>
+            <a:r>
+              <a:rPr lang="zh-CN" altLang="en-US" dirty="0"/>
+              <a:t>一个</a:t>
+            </a:r>
+            <a:r>
+              <a:rPr lang="zh-CN" altLang="en-US" dirty="0" smtClean="0"/>
+              <a:t>工作区中的多个库可以通过库的唯一标识进行依赖，不通过磁盘路径进行依赖</a:t>
+            </a:r>
+            <a:endParaRPr lang="en-US" altLang="zh-CN" dirty="0" smtClean="0"/>
+          </a:p>
+          <a:p>
+            <a:r>
+              <a:rPr lang="zh-CN" altLang="en-US" dirty="0" smtClean="0"/>
+              <a:t>保证一个库在一个工作区中只存在一份代码，实现一处编写，处处编译。</a:t>
+            </a:r>
+            <a:endParaRPr lang="en-US" altLang="zh-CN" dirty="0" smtClean="0"/>
+          </a:p>
+          <a:p>
+            <a:r>
+              <a:rPr lang="zh-CN" altLang="en-US" dirty="0" smtClean="0"/>
+              <a:t>通过</a:t>
             </a:r>
             <a:r>
               <a:rPr lang="en-US" altLang="zh-CN" dirty="0" smtClean="0"/>
-              <a:t>template-config.xml</a:t>
+              <a:t>load</a:t>
+            </a:r>
+            <a:r>
+              <a:rPr lang="zh-CN" altLang="en-US" dirty="0" smtClean="0"/>
+              <a:t>命令加载、初始化工作区</a:t>
             </a:r>
             <a:endParaRPr lang="zh-CN" altLang="en-US" dirty="0"/>
-          </a:p>
-        </p:txBody>
-      </p:sp>
-      <p:sp>
-        <p:nvSpPr>
-          <p:cNvPr id="3" name="内容占位符 2"/>
-          <p:cNvSpPr>
-            <a:spLocks noGrp="1"/>
-          </p:cNvSpPr>
-          <p:nvPr>
-            <p:ph idx="1"/>
-          </p:nvPr>
-        </p:nvSpPr>
-        <p:spPr/>
-        <p:txBody>
-          <a:bodyPr/>
-          <a:lstStyle/>
-          <a:p>
-            <a:r>
-              <a:rPr lang="zh-CN" altLang="en-US" dirty="0"/>
-              <a:t>源</a:t>
-            </a:r>
-            <a:r>
-              <a:rPr lang="zh-CN" altLang="en-US" dirty="0" smtClean="0"/>
-              <a:t>库的配置文件</a:t>
-            </a:r>
-            <a:endParaRPr lang="en-US" altLang="zh-CN" dirty="0" smtClean="0"/>
-          </a:p>
-          <a:p>
-            <a:r>
-              <a:rPr lang="zh-CN" altLang="en-US" dirty="0" smtClean="0"/>
-              <a:t>根 </a:t>
-            </a:r>
-            <a:r>
-              <a:rPr lang="en-US" altLang="zh-CN" dirty="0" smtClean="0"/>
-              <a:t>package</a:t>
-            </a:r>
-            <a:r>
-              <a:rPr lang="zh-CN" altLang="en-US" dirty="0" smtClean="0"/>
-              <a:t>，属性</a:t>
-            </a:r>
-            <a:r>
-              <a:rPr lang="en-US" altLang="zh-CN" dirty="0" err="1" smtClean="0"/>
-              <a:t>url</a:t>
-            </a:r>
-            <a:r>
-              <a:rPr lang="zh-CN" altLang="en-US" dirty="0" smtClean="0"/>
-              <a:t>指定其唯一标识</a:t>
-            </a:r>
-            <a:endParaRPr lang="en-US" altLang="zh-CN" dirty="0" smtClean="0"/>
-          </a:p>
-          <a:p>
-            <a:r>
-              <a:rPr lang="en-US" altLang="zh-CN" dirty="0" smtClean="0"/>
-              <a:t>source/library/resource </a:t>
-            </a:r>
-            <a:r>
-              <a:rPr lang="zh-CN" altLang="en-US" dirty="0" smtClean="0"/>
-              <a:t>元素，每个元素对应一个目录，通过</a:t>
-            </a:r>
-            <a:r>
-              <a:rPr lang="en-US" altLang="zh-CN" dirty="0" err="1" smtClean="0"/>
-              <a:t>dir</a:t>
-            </a:r>
-            <a:r>
-              <a:rPr lang="zh-CN" altLang="en-US" dirty="0" smtClean="0"/>
-              <a:t>属性指定目录名，一般为</a:t>
-            </a:r>
-            <a:r>
-              <a:rPr lang="en-US" altLang="zh-CN" dirty="0" err="1" smtClean="0"/>
-              <a:t>src</a:t>
-            </a:r>
-            <a:r>
-              <a:rPr lang="en-US" altLang="zh-CN" dirty="0" smtClean="0"/>
-              <a:t>/lib/res</a:t>
-            </a:r>
-          </a:p>
-          <a:p>
-            <a:r>
-              <a:rPr lang="zh-CN" altLang="en-US" dirty="0"/>
-              <a:t>以后还会</a:t>
-            </a:r>
-            <a:r>
-              <a:rPr lang="zh-CN" altLang="en-US" dirty="0" smtClean="0"/>
-              <a:t>有</a:t>
-            </a:r>
-            <a:r>
-              <a:rPr lang="en-US" altLang="zh-CN" dirty="0" smtClean="0"/>
-              <a:t>document/test</a:t>
-            </a:r>
-            <a:r>
-              <a:rPr lang="zh-CN" altLang="en-US" dirty="0" smtClean="0"/>
-              <a:t>等</a:t>
-            </a:r>
-            <a:endParaRPr lang="en-US" altLang="zh-CN" dirty="0" smtClean="0"/>
           </a:p>
         </p:txBody>
       </p:sp>
     </p:spTree>
     <p:extLst>
       <p:ext uri="{BB962C8B-B14F-4D97-AF65-F5344CB8AC3E}">
-        <p14:creationId xmlns:p14="http://schemas.microsoft.com/office/powerpoint/2010/main" val="2744486398"/>
+        <p14:creationId xmlns:p14="http://schemas.microsoft.com/office/powerpoint/2010/main" val="2608021115"/>
       </p:ext>
     </p:extLst>
   </p:cSld>
@@ -4485,71 +4454,116 @@
           <a:lstStyle/>
           <a:p>
             <a:r>
-              <a:rPr lang="en-US" altLang="zh-CN" dirty="0"/>
-              <a:t>library</a:t>
-            </a:r>
+              <a:rPr lang="zh-CN" altLang="en-US" dirty="0" smtClean="0"/>
+              <a:t>编写</a:t>
+            </a:r>
+            <a:r>
+              <a:rPr lang="en-US" altLang="zh-CN" dirty="0" smtClean="0"/>
+              <a:t>template-config.xml</a:t>
+            </a:r>
+            <a:endParaRPr lang="zh-CN" altLang="en-US" dirty="0"/>
+          </a:p>
+        </p:txBody>
+      </p:sp>
+      <p:sp>
+        <p:nvSpPr>
+          <p:cNvPr id="3" name="内容占位符 2"/>
+          <p:cNvSpPr>
+            <a:spLocks noGrp="1"/>
+          </p:cNvSpPr>
+          <p:nvPr>
+            <p:ph idx="1"/>
+          </p:nvPr>
+        </p:nvSpPr>
+        <p:spPr/>
+        <p:txBody>
+          <a:bodyPr/>
+          <a:lstStyle/>
+          <a:p>
             <a:r>
               <a:rPr lang="zh-CN" altLang="en-US" dirty="0"/>
-              <a:t>的磁盘映射机制</a:t>
-            </a:r>
-            <a:endParaRPr lang="en-US" altLang="zh-CN" dirty="0"/>
-          </a:p>
-        </p:txBody>
-      </p:sp>
-      <p:sp>
-        <p:nvSpPr>
-          <p:cNvPr id="3" name="内容占位符 2"/>
-          <p:cNvSpPr>
-            <a:spLocks noGrp="1"/>
-          </p:cNvSpPr>
-          <p:nvPr>
-            <p:ph idx="1"/>
-          </p:nvPr>
-        </p:nvSpPr>
-        <p:spPr/>
-        <p:txBody>
-          <a:bodyPr/>
-          <a:lstStyle/>
-          <a:p>
-            <a:r>
-              <a:rPr lang="zh-CN" altLang="en-US" dirty="0" smtClean="0"/>
-              <a:t>通过指定依赖库的唯一标识，将依赖库的文件“映射”至当前库的磁盘路径上</a:t>
+              <a:t>源</a:t>
+            </a:r>
+            <a:r>
+              <a:rPr lang="zh-CN" altLang="en-US" dirty="0" smtClean="0"/>
+              <a:t>库的配置文件</a:t>
             </a:r>
             <a:endParaRPr lang="en-US" altLang="zh-CN" dirty="0" smtClean="0"/>
           </a:p>
           <a:p>
             <a:r>
+              <a:rPr lang="zh-CN" altLang="en-US" dirty="0" smtClean="0"/>
+              <a:t>根 </a:t>
+            </a:r>
+            <a:r>
+              <a:rPr lang="en-US" altLang="zh-CN" dirty="0" smtClean="0"/>
+              <a:t>package</a:t>
+            </a:r>
+            <a:r>
+              <a:rPr lang="zh-CN" altLang="en-US" dirty="0" smtClean="0"/>
+              <a:t>，属性</a:t>
+            </a:r>
+            <a:r>
+              <a:rPr lang="en-US" altLang="zh-CN" dirty="0" err="1" smtClean="0"/>
+              <a:t>url</a:t>
+            </a:r>
+            <a:r>
+              <a:rPr lang="zh-CN" altLang="en-US" dirty="0" smtClean="0"/>
+              <a:t>指定其唯一标识</a:t>
+            </a:r>
+            <a:endParaRPr lang="en-US" altLang="zh-CN" dirty="0" smtClean="0"/>
+          </a:p>
+          <a:p>
+            <a:r>
+              <a:rPr lang="en-US" altLang="zh-CN" dirty="0" smtClean="0"/>
+              <a:t>source/library/resource </a:t>
+            </a:r>
+            <a:r>
+              <a:rPr lang="zh-CN" altLang="en-US" dirty="0" smtClean="0"/>
+              <a:t>元素，每个元素对应一个目录，通过</a:t>
+            </a:r>
+            <a:r>
+              <a:rPr lang="en-US" altLang="zh-CN" dirty="0" err="1" smtClean="0"/>
+              <a:t>dir</a:t>
+            </a:r>
+            <a:r>
+              <a:rPr lang="zh-CN" altLang="en-US" dirty="0" smtClean="0"/>
+              <a:t>属性指定目录名，一般为</a:t>
+            </a:r>
+            <a:r>
+              <a:rPr lang="en-US" altLang="zh-CN" dirty="0" err="1" smtClean="0"/>
+              <a:t>src</a:t>
+            </a:r>
+            <a:r>
+              <a:rPr lang="en-US" altLang="zh-CN" dirty="0" smtClean="0"/>
+              <a:t>/lib/res</a:t>
+            </a:r>
+          </a:p>
+          <a:p>
+            <a:r>
               <a:rPr lang="zh-CN" altLang="en-US" dirty="0"/>
-              <a:t>映射</a:t>
-            </a:r>
-            <a:r>
-              <a:rPr lang="zh-CN" altLang="en-US" dirty="0" smtClean="0"/>
-              <a:t>后的路径可在配置文件</a:t>
+              <a:t>以后还会</a:t>
+            </a:r>
+            <a:r>
+              <a:rPr lang="zh-CN" altLang="en-US" dirty="0" smtClean="0"/>
+              <a:t>有</a:t>
             </a:r>
             <a:r>
               <a:rPr lang="en-US" altLang="zh-CN" dirty="0" smtClean="0"/>
-              <a:t>combine/include</a:t>
-            </a:r>
-            <a:r>
-              <a:rPr lang="zh-CN" altLang="en-US" dirty="0" smtClean="0"/>
-              <a:t>中使用，也可以在</a:t>
-            </a:r>
-            <a:r>
-              <a:rPr lang="en-US" altLang="zh-CN" dirty="0" err="1" smtClean="0"/>
-              <a:t>css</a:t>
-            </a:r>
-            <a:r>
-              <a:rPr lang="zh-CN" altLang="en-US" dirty="0" smtClean="0"/>
-              <a:t>文件中使用</a:t>
-            </a:r>
-            <a:endParaRPr lang="zh-CN" altLang="en-US" dirty="0"/>
+              <a:t>document/test</a:t>
+            </a:r>
+            <a:r>
+              <a:rPr lang="zh-CN" altLang="en-US" dirty="0" smtClean="0"/>
+              <a:t>等</a:t>
+            </a:r>
+            <a:endParaRPr lang="en-US" altLang="zh-CN" dirty="0" smtClean="0"/>
           </a:p>
         </p:txBody>
       </p:sp>
     </p:spTree>
     <p:extLst>
       <p:ext uri="{BB962C8B-B14F-4D97-AF65-F5344CB8AC3E}">
-        <p14:creationId xmlns:p14="http://schemas.microsoft.com/office/powerpoint/2010/main" val="3719119465"/>
+        <p14:creationId xmlns:p14="http://schemas.microsoft.com/office/powerpoint/2010/main" val="2744486398"/>
       </p:ext>
     </p:extLst>
   </p:cSld>
@@ -4592,96 +4606,71 @@
           <a:lstStyle/>
           <a:p>
             <a:r>
+              <a:rPr lang="en-US" altLang="zh-CN" dirty="0"/>
+              <a:t>library</a:t>
+            </a:r>
+            <a:r>
+              <a:rPr lang="zh-CN" altLang="en-US" dirty="0"/>
+              <a:t>的磁盘映射机制</a:t>
+            </a:r>
+            <a:endParaRPr lang="en-US" altLang="zh-CN" dirty="0"/>
+          </a:p>
+        </p:txBody>
+      </p:sp>
+      <p:sp>
+        <p:nvSpPr>
+          <p:cNvPr id="3" name="内容占位符 2"/>
+          <p:cNvSpPr>
+            <a:spLocks noGrp="1"/>
+          </p:cNvSpPr>
+          <p:nvPr>
+            <p:ph idx="1"/>
+          </p:nvPr>
+        </p:nvSpPr>
+        <p:spPr/>
+        <p:txBody>
+          <a:bodyPr/>
+          <a:lstStyle/>
+          <a:p>
+            <a:r>
+              <a:rPr lang="zh-CN" altLang="en-US" dirty="0" smtClean="0"/>
+              <a:t>通过指定依赖库的唯一标识，将依赖库的文件“映射”至当前库的磁盘路径上</a:t>
+            </a:r>
+            <a:endParaRPr lang="en-US" altLang="zh-CN" dirty="0" smtClean="0"/>
+          </a:p>
+          <a:p>
+            <a:r>
+              <a:rPr lang="zh-CN" altLang="en-US" dirty="0"/>
+              <a:t>映射</a:t>
+            </a:r>
+            <a:r>
+              <a:rPr lang="zh-CN" altLang="en-US" dirty="0" smtClean="0"/>
+              <a:t>后的路径可在配置文件</a:t>
+            </a:r>
+            <a:r>
               <a:rPr lang="en-US" altLang="zh-CN" dirty="0" smtClean="0"/>
-              <a:t>JS</a:t>
-            </a:r>
-            <a:r>
-              <a:rPr lang="zh-CN" altLang="en-US" dirty="0" smtClean="0"/>
-              <a:t>文件的合并 </a:t>
-            </a:r>
-            <a:r>
-              <a:rPr lang="en-US" altLang="zh-CN" dirty="0" smtClean="0"/>
-              <a:t>- combine</a:t>
+              <a:t>combine/include</a:t>
+            </a:r>
+            <a:r>
+              <a:rPr lang="zh-CN" altLang="en-US" dirty="0" smtClean="0"/>
+              <a:t>中使用，也可以在</a:t>
+            </a:r>
+            <a:r>
+              <a:rPr lang="en-US" altLang="zh-CN" dirty="0" err="1" smtClean="0"/>
+              <a:t>css</a:t>
+            </a:r>
+            <a:r>
+              <a:rPr lang="zh-CN" altLang="en-US" dirty="0" smtClean="0"/>
+              <a:t>文件中使用</a:t>
             </a:r>
             <a:endParaRPr lang="zh-CN" altLang="en-US" dirty="0"/>
-          </a:p>
-        </p:txBody>
-      </p:sp>
-      <p:sp>
-        <p:nvSpPr>
-          <p:cNvPr id="3" name="内容占位符 2"/>
-          <p:cNvSpPr>
-            <a:spLocks noGrp="1"/>
-          </p:cNvSpPr>
-          <p:nvPr>
-            <p:ph idx="1"/>
-          </p:nvPr>
-        </p:nvSpPr>
-        <p:spPr/>
-        <p:txBody>
-          <a:bodyPr/>
-          <a:lstStyle/>
-          <a:p>
-            <a:r>
-              <a:rPr lang="zh-CN" altLang="en-US" dirty="0" smtClean="0"/>
-              <a:t>每个</a:t>
-            </a:r>
-            <a:r>
-              <a:rPr lang="en-US" altLang="zh-CN" dirty="0" smtClean="0"/>
-              <a:t>combine</a:t>
-            </a:r>
-            <a:r>
-              <a:rPr lang="zh-CN" altLang="en-US" dirty="0" smtClean="0"/>
-              <a:t>标识一个合并文件</a:t>
-            </a:r>
-            <a:endParaRPr lang="en-US" altLang="zh-CN" dirty="0" smtClean="0"/>
-          </a:p>
-          <a:p>
-            <a:r>
-              <a:rPr lang="zh-CN" altLang="en-US" dirty="0" smtClean="0"/>
-              <a:t>合并文件在文件系统上的地位与最小颗粒度文件相同，即也可以被别的文件再次合并，实现</a:t>
-            </a:r>
-            <a:r>
-              <a:rPr lang="zh-CN" altLang="en-US" b="1" dirty="0" smtClean="0"/>
-              <a:t>多级合并</a:t>
-            </a:r>
-            <a:endParaRPr lang="en-US" altLang="zh-CN" b="1" dirty="0" smtClean="0"/>
-          </a:p>
-          <a:p>
-            <a:r>
-              <a:rPr lang="zh-CN" altLang="en-US" dirty="0"/>
-              <a:t>依赖</a:t>
-            </a:r>
-            <a:r>
-              <a:rPr lang="zh-CN" altLang="en-US" dirty="0" smtClean="0"/>
-              <a:t>库的文件也一视同仁</a:t>
-            </a:r>
-            <a:endParaRPr lang="en-US" altLang="zh-CN" dirty="0" smtClean="0"/>
-          </a:p>
-          <a:p>
-            <a:r>
-              <a:rPr lang="zh-CN" altLang="en-US" dirty="0"/>
-              <a:t>同样</a:t>
-            </a:r>
-            <a:r>
-              <a:rPr lang="zh-CN" altLang="en-US" dirty="0" smtClean="0"/>
-              <a:t>的，最小颗粒度的非合并文件也可以作为发布文件进行发布</a:t>
-            </a:r>
-            <a:endParaRPr lang="en-US" altLang="zh-CN" dirty="0" smtClean="0"/>
-          </a:p>
-          <a:p>
-            <a:r>
-              <a:rPr lang="zh-CN" altLang="en-US" dirty="0" smtClean="0"/>
-              <a:t>发布库中的发布文件名与源库中相同</a:t>
-            </a:r>
-            <a:endParaRPr lang="en-US" altLang="zh-CN" dirty="0" smtClean="0"/>
           </a:p>
         </p:txBody>
       </p:sp>
     </p:spTree>
     <p:extLst>
       <p:ext uri="{BB962C8B-B14F-4D97-AF65-F5344CB8AC3E}">
-        <p14:creationId xmlns:p14="http://schemas.microsoft.com/office/powerpoint/2010/main" val="2335717747"/>
+        <p14:creationId xmlns:p14="http://schemas.microsoft.com/office/powerpoint/2010/main" val="3719119465"/>
       </p:ext>
     </p:extLst>
   </p:cSld>
@@ -4725,7 +4714,7 @@
           <a:p>
             <a:r>
               <a:rPr lang="en-US" altLang="zh-CN" dirty="0" smtClean="0"/>
-              <a:t>CSS</a:t>
+              <a:t>JS</a:t>
             </a:r>
             <a:r>
               <a:rPr lang="zh-CN" altLang="en-US" dirty="0" smtClean="0"/>
@@ -4733,7 +4722,7 @@
             </a:r>
             <a:r>
               <a:rPr lang="en-US" altLang="zh-CN" dirty="0" smtClean="0"/>
-              <a:t>- import</a:t>
+              <a:t>- combine</a:t>
             </a:r>
             <a:endParaRPr lang="zh-CN" altLang="en-US" dirty="0"/>
           </a:p>
@@ -4755,87 +4744,65 @@
           <a:lstStyle/>
           <a:p>
             <a:r>
+              <a:rPr lang="zh-CN" altLang="en-US" dirty="0" smtClean="0"/>
+              <a:t>每个</a:t>
+            </a:r>
+            <a:r>
               <a:rPr lang="en-US" altLang="zh-CN" dirty="0" smtClean="0"/>
-              <a:t>IE</a:t>
-            </a:r>
-            <a:r>
-              <a:rPr lang="zh-CN" altLang="en-US" dirty="0" smtClean="0"/>
-              <a:t>著名的</a:t>
-            </a:r>
-            <a:r>
-              <a:rPr lang="en-US" altLang="zh-CN" dirty="0" smtClean="0"/>
-              <a:t>import bug</a:t>
-            </a:r>
-            <a:r>
-              <a:rPr lang="zh-CN" altLang="en-US" dirty="0" smtClean="0"/>
-              <a:t>，且会增加网络请求数，没有人使用这个特性</a:t>
+              <a:t>combine</a:t>
+            </a:r>
+            <a:r>
+              <a:rPr lang="zh-CN" altLang="en-US" dirty="0" smtClean="0"/>
+              <a:t>标识一个合并文件</a:t>
             </a:r>
             <a:endParaRPr lang="en-US" altLang="zh-CN" dirty="0" smtClean="0"/>
           </a:p>
           <a:p>
             <a:r>
+              <a:rPr lang="zh-CN" altLang="en-US" dirty="0" smtClean="0"/>
+              <a:t>合并文件在文件系统上的地位与最小颗粒度文件相同，即也可以被别的文件再次合并，实现</a:t>
+            </a:r>
+            <a:r>
+              <a:rPr lang="zh-CN" altLang="en-US" b="1" dirty="0" smtClean="0"/>
+              <a:t>多级合并</a:t>
+            </a:r>
+            <a:endParaRPr lang="en-US" altLang="zh-CN" b="1" dirty="0" smtClean="0"/>
+          </a:p>
+          <a:p>
+            <a:r>
               <a:rPr lang="zh-CN" altLang="en-US" dirty="0"/>
-              <a:t>发布</a:t>
-            </a:r>
-            <a:r>
-              <a:rPr lang="zh-CN" altLang="en-US" dirty="0" smtClean="0"/>
-              <a:t>库支持针对不同浏览器发布不同的文件，添加 </a:t>
-            </a:r>
-            <a:r>
-              <a:rPr lang="en-US" altLang="zh-CN" dirty="0" smtClean="0"/>
-              <a:t>-ie6-min/-ie7-min/-</a:t>
-            </a:r>
-            <a:r>
-              <a:rPr lang="en-US" altLang="zh-CN" dirty="0" err="1" smtClean="0"/>
-              <a:t>std</a:t>
-            </a:r>
-            <a:r>
-              <a:rPr lang="en-US" altLang="zh-CN" dirty="0" smtClean="0"/>
-              <a:t>-min/-all-min </a:t>
-            </a:r>
-            <a:r>
-              <a:rPr lang="zh-CN" altLang="en-US" dirty="0" smtClean="0"/>
-              <a:t>等后缀（开发中）</a:t>
+              <a:t>依赖</a:t>
+            </a:r>
+            <a:r>
+              <a:rPr lang="zh-CN" altLang="en-US" dirty="0" smtClean="0"/>
+              <a:t>库的文件也一视同仁</a:t>
             </a:r>
             <a:endParaRPr lang="en-US" altLang="zh-CN" dirty="0" smtClean="0"/>
           </a:p>
           <a:p>
             <a:r>
-              <a:rPr lang="zh-CN" altLang="en-US" dirty="0" smtClean="0"/>
-              <a:t>因此，发布库中的发布文件名为源库文件名加入 </a:t>
-            </a:r>
-            <a:r>
-              <a:rPr lang="en-US" altLang="zh-CN" dirty="0" smtClean="0"/>
-              <a:t>-all-min </a:t>
-            </a:r>
-            <a:r>
-              <a:rPr lang="zh-CN" altLang="en-US" dirty="0" smtClean="0"/>
-              <a:t>后缀，比如 </a:t>
-            </a:r>
-            <a:r>
-              <a:rPr lang="en-US" altLang="zh-CN" dirty="0" smtClean="0"/>
-              <a:t>core.css </a:t>
-            </a:r>
-            <a:r>
-              <a:rPr lang="zh-CN" altLang="en-US" dirty="0" smtClean="0"/>
-              <a:t>对应 </a:t>
-            </a:r>
-            <a:r>
-              <a:rPr lang="en-US" altLang="zh-CN" dirty="0" smtClean="0"/>
-              <a:t>core-all-min.css</a:t>
-            </a:r>
-            <a:r>
-              <a:rPr lang="zh-CN" altLang="en-US" dirty="0" smtClean="0"/>
-              <a:t>。</a:t>
-            </a:r>
-            <a:endParaRPr lang="zh-CN" altLang="en-US" dirty="0"/>
+              <a:rPr lang="zh-CN" altLang="en-US" dirty="0"/>
+              <a:t>同样</a:t>
+            </a:r>
+            <a:r>
+              <a:rPr lang="zh-CN" altLang="en-US" dirty="0" smtClean="0"/>
+              <a:t>的，最小颗粒度的非合并文件也可以作为发布文件进行发布</a:t>
+            </a:r>
+            <a:endParaRPr lang="en-US" altLang="zh-CN" dirty="0" smtClean="0"/>
+          </a:p>
+          <a:p>
+            <a:r>
+              <a:rPr lang="zh-CN" altLang="en-US" dirty="0" smtClean="0"/>
+              <a:t>发布库中的发布文件名与源库中相同</a:t>
+            </a:r>
+            <a:endParaRPr lang="en-US" altLang="zh-CN" dirty="0" smtClean="0"/>
           </a:p>
         </p:txBody>
       </p:sp>
     </p:spTree>
     <p:extLst>
       <p:ext uri="{BB962C8B-B14F-4D97-AF65-F5344CB8AC3E}">
-        <p14:creationId xmlns:p14="http://schemas.microsoft.com/office/powerpoint/2010/main" val="736526159"/>
+        <p14:creationId xmlns:p14="http://schemas.microsoft.com/office/powerpoint/2010/main" val="2335717747"/>
       </p:ext>
     </p:extLst>
   </p:cSld>
@@ -4878,54 +4845,118 @@
           <a:lstStyle/>
           <a:p>
             <a:r>
+              <a:rPr lang="en-US" altLang="zh-CN" dirty="0" smtClean="0"/>
+              <a:t>CSS</a:t>
+            </a:r>
+            <a:r>
+              <a:rPr lang="zh-CN" altLang="en-US" dirty="0" smtClean="0"/>
+              <a:t>文件的合并 </a:t>
+            </a:r>
+            <a:r>
+              <a:rPr lang="en-US" altLang="zh-CN" dirty="0" smtClean="0"/>
+              <a:t>- import</a:t>
+            </a:r>
+            <a:endParaRPr lang="zh-CN" altLang="en-US" dirty="0"/>
+          </a:p>
+        </p:txBody>
+      </p:sp>
+      <p:sp>
+        <p:nvSpPr>
+          <p:cNvPr id="3" name="内容占位符 2"/>
+          <p:cNvSpPr>
+            <a:spLocks noGrp="1"/>
+          </p:cNvSpPr>
+          <p:nvPr>
+            <p:ph idx="1"/>
+          </p:nvPr>
+        </p:nvSpPr>
+        <p:spPr/>
+        <p:txBody>
+          <a:bodyPr/>
+          <a:lstStyle/>
+          <a:p>
+            <a:r>
+              <a:rPr lang="en-US" altLang="zh-CN" dirty="0" smtClean="0"/>
+              <a:t>IE</a:t>
+            </a:r>
+            <a:r>
+              <a:rPr lang="zh-CN" altLang="en-US" dirty="0" smtClean="0"/>
+              <a:t>著名的</a:t>
+            </a:r>
+            <a:r>
+              <a:rPr lang="en-US" altLang="zh-CN" dirty="0" smtClean="0"/>
+              <a:t>import bug</a:t>
+            </a:r>
+            <a:r>
+              <a:rPr lang="zh-CN" altLang="en-US" dirty="0" smtClean="0"/>
+              <a:t>，且会增加网络请求数，没有人使用这个特性</a:t>
+            </a:r>
+            <a:endParaRPr lang="en-US" altLang="zh-CN" dirty="0" smtClean="0"/>
+          </a:p>
+          <a:p>
+            <a:r>
               <a:rPr lang="zh-CN" altLang="en-US" dirty="0"/>
-              <a:t>发布目录结构</a:t>
-            </a:r>
-          </a:p>
-        </p:txBody>
-      </p:sp>
-      <p:sp>
-        <p:nvSpPr>
-          <p:cNvPr id="3" name="内容占位符 2"/>
-          <p:cNvSpPr>
-            <a:spLocks noGrp="1"/>
-          </p:cNvSpPr>
-          <p:nvPr>
-            <p:ph idx="1"/>
-          </p:nvPr>
-        </p:nvSpPr>
-        <p:spPr/>
-        <p:txBody>
-          <a:bodyPr/>
-          <a:lstStyle/>
-          <a:p>
-            <a:r>
-              <a:rPr lang="zh-CN" altLang="en-US" dirty="0" smtClean="0"/>
-              <a:t>永远不要直接修改发布目录的文件，因为修改了源文件后，发布文件会被覆盖</a:t>
+              <a:t>发布</a:t>
+            </a:r>
+            <a:r>
+              <a:rPr lang="zh-CN" altLang="en-US" dirty="0" smtClean="0"/>
+              <a:t>库支持针对不同浏览器发布不同的文件，添加 </a:t>
+            </a:r>
+            <a:r>
+              <a:rPr lang="en-US" altLang="zh-CN" dirty="0" smtClean="0"/>
+              <a:t>-ie6-min/-ie7-min/-</a:t>
+            </a:r>
+            <a:r>
+              <a:rPr lang="en-US" altLang="zh-CN" dirty="0" err="1" smtClean="0"/>
+              <a:t>std</a:t>
+            </a:r>
+            <a:r>
+              <a:rPr lang="en-US" altLang="zh-CN" dirty="0" smtClean="0"/>
+              <a:t>-min/-all-min </a:t>
+            </a:r>
+            <a:r>
+              <a:rPr lang="zh-CN" altLang="en-US" dirty="0" smtClean="0"/>
+              <a:t>等后缀（开发中）</a:t>
             </a:r>
             <a:endParaRPr lang="en-US" altLang="zh-CN" dirty="0" smtClean="0"/>
           </a:p>
           <a:p>
             <a:r>
               <a:rPr lang="zh-CN" altLang="en-US" dirty="0" smtClean="0"/>
-              <a:t>发布目录中存在一个</a:t>
+              <a:t>因此，发布库中的发布文件名为源库文件名加入 </a:t>
             </a:r>
             <a:r>
               <a:rPr lang="en-US" altLang="zh-CN" dirty="0" smtClean="0"/>
-              <a:t>.template-info</a:t>
-            </a:r>
-            <a:r>
-              <a:rPr lang="zh-CN" altLang="en-US" dirty="0" smtClean="0"/>
-              <a:t>目录用于存放源库路径、编译状态等临时文件</a:t>
-            </a:r>
-            <a:endParaRPr lang="en-US" altLang="zh-CN" dirty="0" smtClean="0"/>
+              <a:t>-all-min </a:t>
+            </a:r>
+            <a:r>
+              <a:rPr lang="zh-CN" altLang="en-US" dirty="0" smtClean="0"/>
+              <a:t>后缀，比如 </a:t>
+            </a:r>
+            <a:r>
+              <a:rPr lang="en-US" altLang="zh-CN" dirty="0" smtClean="0"/>
+              <a:t>core.css </a:t>
+            </a:r>
+            <a:r>
+              <a:rPr lang="zh-CN" altLang="en-US" dirty="0" smtClean="0"/>
+              <a:t>对应 </a:t>
+            </a:r>
+            <a:r>
+              <a:rPr lang="en-US" altLang="zh-CN" dirty="0" smtClean="0"/>
+              <a:t>core-all-min.css</a:t>
+            </a:r>
+            <a:r>
+              <a:rPr lang="zh-CN" altLang="en-US" dirty="0" smtClean="0"/>
+              <a:t>。</a:t>
+            </a:r>
+            <a:endParaRPr lang="zh-CN" altLang="en-US" dirty="0"/>
           </a:p>
         </p:txBody>
       </p:sp>
     </p:spTree>
     <p:extLst>
       <p:ext uri="{BB962C8B-B14F-4D97-AF65-F5344CB8AC3E}">
-        <p14:creationId xmlns:p14="http://schemas.microsoft.com/office/powerpoint/2010/main" val="2893373283"/>
+        <p14:creationId xmlns:p14="http://schemas.microsoft.com/office/powerpoint/2010/main" val="736526159"/>
       </p:ext>
     </p:extLst>
   </p:cSld>
@@ -4964,16 +4995,13 @@
         </p:nvSpPr>
         <p:spPr/>
         <p:txBody>
-          <a:bodyPr>
-            <a:normAutofit/>
-          </a:bodyPr>
-          <a:lstStyle/>
-          <a:p>
-            <a:r>
-              <a:rPr lang="zh-CN" altLang="en-US" dirty="0" smtClean="0"/>
-              <a:t>安装步骤</a:t>
-            </a:r>
-            <a:endParaRPr lang="zh-CN" altLang="en-US" dirty="0"/>
+          <a:bodyPr/>
+          <a:lstStyle/>
+          <a:p>
+            <a:r>
+              <a:rPr lang="zh-CN" altLang="en-US" dirty="0"/>
+              <a:t>发布目录结构</a:t>
+            </a:r>
           </a:p>
         </p:txBody>
       </p:sp>
@@ -4989,60 +5017,27 @@
         </p:nvSpPr>
         <p:spPr/>
         <p:txBody>
-          <a:bodyPr>
-            <a:normAutofit/>
-          </a:bodyPr>
-          <a:lstStyle/>
-          <a:p>
-            <a:r>
-              <a:rPr lang="en-US" altLang="zh-CN" dirty="0">
-                <a:hlinkClick r:id="rId2"/>
-              </a:rPr>
-              <a:t>http://</a:t>
-            </a:r>
-            <a:r>
-              <a:rPr lang="en-US" altLang="zh-CN" dirty="0" smtClean="0">
-                <a:hlinkClick r:id="rId2"/>
-              </a:rPr>
-              <a:t>code.google.com/p/staticcompiler/wiki/HowToSetup</a:t>
+          <a:bodyPr/>
+          <a:lstStyle/>
+          <a:p>
+            <a:r>
+              <a:rPr lang="zh-CN" altLang="en-US" dirty="0" smtClean="0"/>
+              <a:t>永远不要直接修改发布目录的文件，因为修改了源文件后，发布文件会被覆盖</a:t>
             </a:r>
             <a:endParaRPr lang="en-US" altLang="zh-CN" dirty="0" smtClean="0"/>
           </a:p>
           <a:p>
             <a:r>
+              <a:rPr lang="zh-CN" altLang="en-US" dirty="0" smtClean="0"/>
+              <a:t>发布目录中存在一个</a:t>
+            </a:r>
+            <a:r>
               <a:rPr lang="en-US" altLang="zh-CN" dirty="0" smtClean="0"/>
-              <a:t>Python</a:t>
-            </a:r>
-          </a:p>
-          <a:p>
-            <a:r>
-              <a:rPr lang="en-US" altLang="zh-CN" dirty="0" err="1"/>
-              <a:t>flup</a:t>
-            </a:r>
-            <a:endParaRPr lang="en-US" altLang="zh-CN" dirty="0" smtClean="0"/>
-          </a:p>
-          <a:p>
-            <a:r>
-              <a:rPr lang="en-US" altLang="zh-CN" dirty="0" err="1" smtClean="0"/>
-              <a:t>opm</a:t>
-            </a:r>
-            <a:endParaRPr lang="en-US" altLang="zh-CN" dirty="0" smtClean="0"/>
-          </a:p>
-          <a:p>
-            <a:r>
-              <a:rPr lang="en-US" altLang="zh-CN" dirty="0" err="1"/>
-              <a:t>nginx</a:t>
-            </a:r>
-            <a:endParaRPr lang="en-US" altLang="zh-CN" dirty="0" smtClean="0"/>
-          </a:p>
-          <a:p>
-            <a:r>
-              <a:rPr lang="zh-CN" altLang="en-US" dirty="0" smtClean="0"/>
-              <a:t>配置</a:t>
-            </a:r>
-            <a:r>
-              <a:rPr lang="en-US" altLang="zh-CN" dirty="0" err="1" smtClean="0"/>
-              <a:t>nginx</a:t>
+              <a:t>.template-info</a:t>
+            </a:r>
+            <a:r>
+              <a:rPr lang="zh-CN" altLang="en-US" dirty="0" smtClean="0"/>
+              <a:t>目录用于存放源库路径、编译状态等临时文件</a:t>
             </a:r>
             <a:endParaRPr lang="en-US" altLang="zh-CN" dirty="0" smtClean="0"/>
           </a:p>
@@ -5051,7 +5046,7 @@
     </p:spTree>
     <p:extLst>
       <p:ext uri="{BB962C8B-B14F-4D97-AF65-F5344CB8AC3E}">
-        <p14:creationId xmlns:p14="http://schemas.microsoft.com/office/powerpoint/2010/main" val="2916329033"/>
+        <p14:creationId xmlns:p14="http://schemas.microsoft.com/office/powerpoint/2010/main" val="2893373283"/>
       </p:ext>
     </p:extLst>
   </p:cSld>
@@ -5090,12 +5085,14 @@
         </p:nvSpPr>
         <p:spPr/>
         <p:txBody>
-          <a:bodyPr/>
-          <a:lstStyle/>
-          <a:p>
-            <a:r>
-              <a:rPr lang="zh-CN" altLang="en-US" dirty="0" smtClean="0"/>
-              <a:t>命令介绍</a:t>
+          <a:bodyPr>
+            <a:normAutofit/>
+          </a:bodyPr>
+          <a:lstStyle/>
+          <a:p>
+            <a:r>
+              <a:rPr lang="zh-CN" altLang="en-US" dirty="0" smtClean="0"/>
+              <a:t>安装步骤</a:t>
             </a:r>
             <a:endParaRPr lang="zh-CN" altLang="en-US" dirty="0"/>
           </a:p>
@@ -5114,131 +5111,68 @@
         <p:spPr/>
         <p:txBody>
           <a:bodyPr>
-            <a:normAutofit fontScale="92500"/>
+            <a:normAutofit/>
           </a:bodyPr>
           <a:lstStyle/>
           <a:p>
             <a:r>
+              <a:rPr lang="en-US" altLang="zh-CN" dirty="0">
+                <a:hlinkClick r:id="rId2"/>
+              </a:rPr>
+              <a:t>http://</a:t>
+            </a:r>
+            <a:r>
+              <a:rPr lang="en-US" altLang="zh-CN" dirty="0" smtClean="0">
+                <a:hlinkClick r:id="rId2"/>
+              </a:rPr>
+              <a:t>code.google.com/p/staticcompiler/wiki/HowToSetup</a:t>
+            </a:r>
+            <a:endParaRPr lang="en-US" altLang="zh-CN" dirty="0" smtClean="0"/>
+          </a:p>
+          <a:p>
+            <a:r>
               <a:rPr lang="en-US" altLang="zh-CN" dirty="0" smtClean="0"/>
-              <a:t>get – </a:t>
-            </a:r>
-            <a:r>
-              <a:rPr lang="zh-CN" altLang="en-US" dirty="0" smtClean="0"/>
-              <a:t>从公共代码库获取源代码</a:t>
+              <a:t>Python</a:t>
+            </a:r>
+          </a:p>
+          <a:p>
+            <a:r>
+              <a:rPr lang="en-US" altLang="zh-CN" dirty="0" err="1"/>
+              <a:t>flup</a:t>
             </a:r>
             <a:endParaRPr lang="en-US" altLang="zh-CN" dirty="0" smtClean="0"/>
           </a:p>
           <a:p>
             <a:r>
               <a:rPr lang="en-US" altLang="zh-CN" dirty="0" err="1" smtClean="0"/>
-              <a:t>init</a:t>
-            </a:r>
-            <a:r>
-              <a:rPr lang="en-US" altLang="zh-CN" dirty="0" smtClean="0"/>
-              <a:t> – </a:t>
-            </a:r>
-            <a:r>
-              <a:rPr lang="zh-CN" altLang="en-US" dirty="0" smtClean="0"/>
-              <a:t>初始化一个新库</a:t>
+              <a:t>opm</a:t>
             </a:r>
             <a:endParaRPr lang="en-US" altLang="zh-CN" dirty="0" smtClean="0"/>
           </a:p>
           <a:p>
             <a:r>
-              <a:rPr lang="en-US" altLang="zh-CN" dirty="0" smtClean="0"/>
-              <a:t>compile – </a:t>
-            </a:r>
-            <a:r>
-              <a:rPr lang="zh-CN" altLang="en-US" dirty="0" smtClean="0"/>
-              <a:t>编译一个</a:t>
+              <a:rPr lang="en-US" altLang="zh-CN" dirty="0" err="1"/>
+              <a:t>nginx</a:t>
+            </a:r>
+            <a:endParaRPr lang="en-US" altLang="zh-CN" dirty="0" smtClean="0"/>
+          </a:p>
+          <a:p>
+            <a:r>
+              <a:rPr lang="zh-CN" altLang="en-US" dirty="0" smtClean="0"/>
+              <a:t>配置</a:t>
             </a:r>
             <a:r>
               <a:rPr lang="en-US" altLang="zh-CN" dirty="0" err="1" smtClean="0"/>
-              <a:t>css</a:t>
-            </a:r>
-            <a:r>
-              <a:rPr lang="en-US" altLang="zh-CN" dirty="0" smtClean="0"/>
-              <a:t>/</a:t>
-            </a:r>
-            <a:r>
-              <a:rPr lang="en-US" altLang="zh-CN" dirty="0" err="1" smtClean="0"/>
-              <a:t>js</a:t>
-            </a:r>
-            <a:r>
-              <a:rPr lang="zh-CN" altLang="en-US" dirty="0" smtClean="0"/>
-              <a:t>文件</a:t>
+              <a:t>nginx</a:t>
             </a:r>
             <a:endParaRPr lang="en-US" altLang="zh-CN" dirty="0" smtClean="0"/>
-          </a:p>
-          <a:p>
-            <a:r>
-              <a:rPr lang="en-US" altLang="zh-CN" dirty="0" smtClean="0"/>
-              <a:t>publish – </a:t>
-            </a:r>
-            <a:r>
-              <a:rPr lang="zh-CN" altLang="en-US" dirty="0" smtClean="0"/>
-              <a:t>将整个发布库进行编译</a:t>
-            </a:r>
-            <a:endParaRPr lang="en-US" altLang="zh-CN" dirty="0" smtClean="0"/>
-          </a:p>
-          <a:p>
-            <a:r>
-              <a:rPr lang="en-US" altLang="zh-CN" dirty="0" smtClean="0"/>
-              <a:t>link -</a:t>
-            </a:r>
-            <a:r>
-              <a:rPr lang="zh-CN" altLang="en-US" dirty="0"/>
-              <a:t>将发布库与源库进行</a:t>
-            </a:r>
-            <a:r>
-              <a:rPr lang="zh-CN" altLang="en-US" dirty="0" smtClean="0"/>
-              <a:t>映射</a:t>
-            </a:r>
-            <a:endParaRPr lang="en-US" altLang="zh-CN" dirty="0" smtClean="0"/>
-          </a:p>
-          <a:p>
-            <a:r>
-              <a:rPr lang="en-US" altLang="zh-CN" dirty="0" smtClean="0"/>
-              <a:t>load – </a:t>
-            </a:r>
-            <a:r>
-              <a:rPr lang="zh-CN" altLang="en-US" dirty="0"/>
-              <a:t>加载</a:t>
-            </a:r>
-            <a:r>
-              <a:rPr lang="zh-CN" altLang="en-US" dirty="0" smtClean="0"/>
-              <a:t>本地工作区</a:t>
-            </a:r>
-            <a:endParaRPr lang="en-US" altLang="zh-CN" dirty="0" smtClean="0"/>
-          </a:p>
-          <a:p>
-            <a:r>
-              <a:rPr lang="en-US" altLang="zh-CN" dirty="0" smtClean="0"/>
-              <a:t>serve – </a:t>
-            </a:r>
-            <a:r>
-              <a:rPr lang="zh-CN" altLang="en-US" smtClean="0"/>
-              <a:t>启动一个可实时编译的静态服务器</a:t>
-            </a:r>
-            <a:endParaRPr lang="en-US" altLang="zh-CN" dirty="0" smtClean="0"/>
-          </a:p>
-          <a:p>
-            <a:r>
-              <a:rPr lang="en-US" altLang="zh-CN" dirty="0" smtClean="0"/>
-              <a:t>packages/workspace/root/source/status/libs/</a:t>
-            </a:r>
-            <a:r>
-              <a:rPr lang="en-US" altLang="zh-CN" dirty="0" err="1" smtClean="0"/>
-              <a:t>incs</a:t>
-            </a:r>
-            <a:endParaRPr lang="zh-CN" altLang="en-US" dirty="0"/>
           </a:p>
         </p:txBody>
       </p:sp>
     </p:spTree>
     <p:extLst>
       <p:ext uri="{BB962C8B-B14F-4D97-AF65-F5344CB8AC3E}">
-        <p14:creationId xmlns:p14="http://schemas.microsoft.com/office/powerpoint/2010/main" val="1180506626"/>
+        <p14:creationId xmlns:p14="http://schemas.microsoft.com/office/powerpoint/2010/main" val="2916329033"/>
       </p:ext>
     </p:extLst>
   </p:cSld>
@@ -5281,50 +5215,63 @@
           <a:lstStyle/>
           <a:p>
             <a:r>
+              <a:rPr lang="zh-CN" altLang="en-US" dirty="0" smtClean="0"/>
+              <a:t>命令介绍</a:t>
+            </a:r>
+            <a:endParaRPr lang="zh-CN" altLang="en-US" dirty="0"/>
+          </a:p>
+        </p:txBody>
+      </p:sp>
+      <p:sp>
+        <p:nvSpPr>
+          <p:cNvPr id="3" name="内容占位符 2"/>
+          <p:cNvSpPr>
+            <a:spLocks noGrp="1"/>
+          </p:cNvSpPr>
+          <p:nvPr>
+            <p:ph idx="1"/>
+          </p:nvPr>
+        </p:nvSpPr>
+        <p:spPr/>
+        <p:txBody>
+          <a:bodyPr>
+            <a:normAutofit fontScale="92500"/>
+          </a:bodyPr>
+          <a:lstStyle/>
+          <a:p>
+            <a:r>
+              <a:rPr lang="en-US" altLang="zh-CN" dirty="0" smtClean="0"/>
+              <a:t>get – </a:t>
+            </a:r>
+            <a:r>
+              <a:rPr lang="zh-CN" altLang="en-US" dirty="0" smtClean="0"/>
+              <a:t>从公共代码库获取源代码</a:t>
+            </a:r>
+            <a:endParaRPr lang="en-US" altLang="zh-CN" dirty="0" smtClean="0"/>
+          </a:p>
+          <a:p>
+            <a:r>
               <a:rPr lang="en-US" altLang="zh-CN" dirty="0" err="1" smtClean="0"/>
-              <a:t>opm</a:t>
+              <a:t>init</a:t>
             </a:r>
             <a:r>
               <a:rPr lang="en-US" altLang="zh-CN" dirty="0" smtClean="0"/>
-              <a:t> serve</a:t>
-            </a:r>
-            <a:endParaRPr lang="zh-CN" altLang="en-US" dirty="0"/>
-          </a:p>
-        </p:txBody>
-      </p:sp>
-      <p:sp>
-        <p:nvSpPr>
-          <p:cNvPr id="3" name="内容占位符 2"/>
-          <p:cNvSpPr>
-            <a:spLocks noGrp="1"/>
-          </p:cNvSpPr>
-          <p:nvPr>
-            <p:ph idx="1"/>
-          </p:nvPr>
-        </p:nvSpPr>
-        <p:spPr/>
-        <p:txBody>
-          <a:bodyPr/>
-          <a:lstStyle/>
-          <a:p>
-            <a:r>
-              <a:rPr lang="zh-CN" altLang="en-US" dirty="0" smtClean="0"/>
-              <a:t>实现动态实时编译的核心</a:t>
+              <a:t> – </a:t>
+            </a:r>
+            <a:r>
+              <a:rPr lang="zh-CN" altLang="en-US" dirty="0" smtClean="0"/>
+              <a:t>初始化一个新库</a:t>
             </a:r>
             <a:endParaRPr lang="en-US" altLang="zh-CN" dirty="0" smtClean="0"/>
           </a:p>
           <a:p>
             <a:r>
-              <a:rPr lang="zh-CN" altLang="en-US" dirty="0" smtClean="0"/>
-              <a:t>在本机运行一个</a:t>
-            </a:r>
-            <a:r>
               <a:rPr lang="en-US" altLang="zh-CN" dirty="0" smtClean="0"/>
-              <a:t>http server</a:t>
-            </a:r>
-            <a:r>
-              <a:rPr lang="zh-CN" altLang="en-US" dirty="0" smtClean="0"/>
-              <a:t>，将所有对发布库</a:t>
+              <a:t>compile – </a:t>
+            </a:r>
+            <a:r>
+              <a:rPr lang="zh-CN" altLang="en-US" dirty="0" smtClean="0"/>
+              <a:t>编译一个</a:t>
             </a:r>
             <a:r>
               <a:rPr lang="en-US" altLang="zh-CN" dirty="0" err="1" smtClean="0"/>
@@ -5340,7 +5287,70 @@
             </a:r>
             <a:r>
               <a:rPr lang="zh-CN" altLang="en-US" dirty="0" smtClean="0"/>
-              <a:t>发布文件的请求监听，发现源文件有修改则编译后返回发布文件</a:t>
+              <a:t>文件</a:t>
+            </a:r>
+            <a:endParaRPr lang="en-US" altLang="zh-CN" dirty="0" smtClean="0"/>
+          </a:p>
+          <a:p>
+            <a:r>
+              <a:rPr lang="en-US" altLang="zh-CN" dirty="0" smtClean="0"/>
+              <a:t>publish – </a:t>
+            </a:r>
+            <a:r>
+              <a:rPr lang="zh-CN" altLang="en-US" dirty="0" smtClean="0"/>
+              <a:t>将整个发布库进行编译</a:t>
+            </a:r>
+            <a:endParaRPr lang="en-US" altLang="zh-CN" dirty="0" smtClean="0"/>
+          </a:p>
+          <a:p>
+            <a:r>
+              <a:rPr lang="en-US" altLang="zh-CN" dirty="0" smtClean="0"/>
+              <a:t>link -</a:t>
+            </a:r>
+            <a:r>
+              <a:rPr lang="zh-CN" altLang="en-US" dirty="0"/>
+              <a:t>将发布库与源库进行</a:t>
+            </a:r>
+            <a:r>
+              <a:rPr lang="zh-CN" altLang="en-US" dirty="0" smtClean="0"/>
+              <a:t>映射</a:t>
+            </a:r>
+            <a:endParaRPr lang="en-US" altLang="zh-CN" dirty="0" smtClean="0"/>
+          </a:p>
+          <a:p>
+            <a:r>
+              <a:rPr lang="en-US" altLang="zh-CN" dirty="0" smtClean="0"/>
+              <a:t>load – </a:t>
+            </a:r>
+            <a:r>
+              <a:rPr lang="zh-CN" altLang="en-US" dirty="0"/>
+              <a:t>加载</a:t>
+            </a:r>
+            <a:r>
+              <a:rPr lang="zh-CN" altLang="en-US" dirty="0" smtClean="0"/>
+              <a:t>本地工作区</a:t>
+            </a:r>
+            <a:endParaRPr lang="en-US" altLang="zh-CN" dirty="0" smtClean="0"/>
+          </a:p>
+          <a:p>
+            <a:r>
+              <a:rPr lang="en-US" altLang="zh-CN" dirty="0" smtClean="0"/>
+              <a:t>serve – </a:t>
+            </a:r>
+            <a:r>
+              <a:rPr lang="zh-CN" altLang="en-US" smtClean="0"/>
+              <a:t>启动一个可实时编译的静态服务器</a:t>
+            </a:r>
+            <a:endParaRPr lang="en-US" altLang="zh-CN" dirty="0" smtClean="0"/>
+          </a:p>
+          <a:p>
+            <a:r>
+              <a:rPr lang="en-US" altLang="zh-CN" dirty="0" smtClean="0"/>
+              <a:t>packages/workspace/root/source/status/libs/</a:t>
+            </a:r>
+            <a:r>
+              <a:rPr lang="en-US" altLang="zh-CN" dirty="0" err="1" smtClean="0"/>
+              <a:t>incs</a:t>
             </a:r>
             <a:endParaRPr lang="zh-CN" altLang="en-US" dirty="0"/>
           </a:p>
@@ -5349,7 +5359,7 @@
     </p:spTree>
     <p:extLst>
       <p:ext uri="{BB962C8B-B14F-4D97-AF65-F5344CB8AC3E}">
-        <p14:creationId xmlns:p14="http://schemas.microsoft.com/office/powerpoint/2010/main" val="2852374448"/>
+        <p14:creationId xmlns:p14="http://schemas.microsoft.com/office/powerpoint/2010/main" val="1180506626"/>
       </p:ext>
     </p:extLst>
   </p:cSld>
@@ -5477,10 +5487,135 @@
   <p:clrMapOvr>
     <a:masterClrMapping/>
   </p:clrMapOvr>
+  <p:timing>
+    <p:tnLst>
+      <p:par>
+        <p:cTn id="1" dur="indefinite" restart="never" nodeType="tmRoot"/>
+      </p:par>
+    </p:tnLst>
+  </p:timing>
 </p:sld>
 </file>
 
 <file path=ppt/slides/slide20.xml><?xml version="1.0" encoding="utf-8"?>
+<p:sld xmlns:a="http://schemas.openxmlformats.org/drawingml/2006/main" xmlns:r="http://schemas.openxmlformats.org/officeDocument/2006/relationships" xmlns:p="http://schemas.openxmlformats.org/presentationml/2006/main">
+  <p:cSld>
+    <p:spTree>
+      <p:nvGrpSpPr>
+        <p:cNvPr id="1" name=""/>
+        <p:cNvGrpSpPr/>
+        <p:nvPr/>
+      </p:nvGrpSpPr>
+      <p:grpSpPr>
+        <a:xfrm>
+          <a:off x="0" y="0"/>
+          <a:ext cx="0" cy="0"/>
+          <a:chOff x="0" y="0"/>
+          <a:chExt cx="0" cy="0"/>
+        </a:xfrm>
+      </p:grpSpPr>
+      <p:sp>
+        <p:nvSpPr>
+          <p:cNvPr id="2" name="标题 1"/>
+          <p:cNvSpPr>
+            <a:spLocks noGrp="1"/>
+          </p:cNvSpPr>
+          <p:nvPr>
+            <p:ph type="title"/>
+          </p:nvPr>
+        </p:nvSpPr>
+        <p:spPr/>
+        <p:txBody>
+          <a:bodyPr/>
+          <a:lstStyle/>
+          <a:p>
+            <a:r>
+              <a:rPr lang="en-US" altLang="zh-CN" dirty="0" err="1" smtClean="0"/>
+              <a:t>opm</a:t>
+            </a:r>
+            <a:r>
+              <a:rPr lang="en-US" altLang="zh-CN" dirty="0" smtClean="0"/>
+              <a:t> serve</a:t>
+            </a:r>
+            <a:endParaRPr lang="zh-CN" altLang="en-US" dirty="0"/>
+          </a:p>
+        </p:txBody>
+      </p:sp>
+      <p:sp>
+        <p:nvSpPr>
+          <p:cNvPr id="3" name="内容占位符 2"/>
+          <p:cNvSpPr>
+            <a:spLocks noGrp="1"/>
+          </p:cNvSpPr>
+          <p:nvPr>
+            <p:ph idx="1"/>
+          </p:nvPr>
+        </p:nvSpPr>
+        <p:spPr/>
+        <p:txBody>
+          <a:bodyPr/>
+          <a:lstStyle/>
+          <a:p>
+            <a:r>
+              <a:rPr lang="zh-CN" altLang="en-US" dirty="0" smtClean="0"/>
+              <a:t>实现动态实时编译的核心</a:t>
+            </a:r>
+            <a:endParaRPr lang="en-US" altLang="zh-CN" dirty="0" smtClean="0"/>
+          </a:p>
+          <a:p>
+            <a:r>
+              <a:rPr lang="zh-CN" altLang="en-US" dirty="0" smtClean="0"/>
+              <a:t>在本机运行一个</a:t>
+            </a:r>
+            <a:r>
+              <a:rPr lang="en-US" altLang="zh-CN" dirty="0" smtClean="0"/>
+              <a:t>http server</a:t>
+            </a:r>
+            <a:r>
+              <a:rPr lang="zh-CN" altLang="en-US" dirty="0" smtClean="0"/>
+              <a:t>，将所有对发布库</a:t>
+            </a:r>
+            <a:r>
+              <a:rPr lang="en-US" altLang="zh-CN" dirty="0" err="1" smtClean="0"/>
+              <a:t>css</a:t>
+            </a:r>
+            <a:r>
+              <a:rPr lang="en-US" altLang="zh-CN" dirty="0" smtClean="0"/>
+              <a:t>/</a:t>
+            </a:r>
+            <a:r>
+              <a:rPr lang="en-US" altLang="zh-CN" dirty="0" err="1" smtClean="0"/>
+              <a:t>js</a:t>
+            </a:r>
+            <a:r>
+              <a:rPr lang="zh-CN" altLang="en-US" dirty="0" smtClean="0"/>
+              <a:t>发布文件的请求监听，发现源文件有修改则编译后返回发布文件</a:t>
+            </a:r>
+            <a:endParaRPr lang="zh-CN" altLang="en-US" dirty="0"/>
+          </a:p>
+        </p:txBody>
+      </p:sp>
+    </p:spTree>
+    <p:extLst>
+      <p:ext uri="{BB962C8B-B14F-4D97-AF65-F5344CB8AC3E}">
+        <p14:creationId xmlns:p14="http://schemas.microsoft.com/office/powerpoint/2010/main" val="2852374448"/>
+      </p:ext>
+    </p:extLst>
+  </p:cSld>
+  <p:clrMapOvr>
+    <a:masterClrMapping/>
+  </p:clrMapOvr>
+  <p:timing>
+    <p:tnLst>
+      <p:par>
+        <p:cTn id="1" dur="indefinite" restart="never" nodeType="tmRoot"/>
+      </p:par>
+    </p:tnLst>
+  </p:timing>
+</p:sld>
+</file>
+
+<file path=ppt/slides/slide21.xml><?xml version="1.0" encoding="utf-8"?>
 <p:sld xmlns:a="http://schemas.openxmlformats.org/drawingml/2006/main" xmlns:r="http://schemas.openxmlformats.org/officeDocument/2006/relationships" xmlns:p="http://schemas.openxmlformats.org/presentationml/2006/main">
   <p:cSld>
     <p:spTree>
@@ -5555,6 +5690,107 @@
   <p:clrMapOvr>
     <a:masterClrMapping/>
   </p:clrMapOvr>
+  <p:timing>
+    <p:tnLst>
+      <p:par>
+        <p:cTn id="1" dur="indefinite" restart="never" nodeType="tmRoot"/>
+      </p:par>
+    </p:tnLst>
+  </p:timing>
+</p:sld>
+</file>
+
+<file path=ppt/slides/slide22.xml><?xml version="1.0" encoding="utf-8"?>
+<p:sld xmlns:a="http://schemas.openxmlformats.org/drawingml/2006/main" xmlns:r="http://schemas.openxmlformats.org/officeDocument/2006/relationships" xmlns:p="http://schemas.openxmlformats.org/presentationml/2006/main">
+  <p:cSld>
+    <p:spTree>
+      <p:nvGrpSpPr>
+        <p:cNvPr id="1" name=""/>
+        <p:cNvGrpSpPr/>
+        <p:nvPr/>
+      </p:nvGrpSpPr>
+      <p:grpSpPr>
+        <a:xfrm>
+          <a:off x="0" y="0"/>
+          <a:ext cx="0" cy="0"/>
+          <a:chOff x="0" y="0"/>
+          <a:chExt cx="0" cy="0"/>
+        </a:xfrm>
+      </p:grpSpPr>
+      <p:sp>
+        <p:nvSpPr>
+          <p:cNvPr id="6" name="标题 5"/>
+          <p:cNvSpPr>
+            <a:spLocks noGrp="1"/>
+          </p:cNvSpPr>
+          <p:nvPr>
+            <p:ph type="ctrTitle"/>
+          </p:nvPr>
+        </p:nvSpPr>
+        <p:spPr/>
+        <p:txBody>
+          <a:bodyPr/>
+          <a:lstStyle/>
+          <a:p>
+            <a:r>
+              <a:rPr lang="en-US" altLang="zh-CN" dirty="0" smtClean="0"/>
+              <a:t>The End</a:t>
+            </a:r>
+            <a:endParaRPr lang="zh-CN" altLang="en-US" dirty="0"/>
+          </a:p>
+        </p:txBody>
+      </p:sp>
+      <p:sp>
+        <p:nvSpPr>
+          <p:cNvPr id="7" name="副标题 6"/>
+          <p:cNvSpPr>
+            <a:spLocks noGrp="1"/>
+          </p:cNvSpPr>
+          <p:nvPr>
+            <p:ph type="subTitle" idx="1"/>
+          </p:nvPr>
+        </p:nvSpPr>
+        <p:spPr/>
+        <p:txBody>
+          <a:bodyPr/>
+          <a:lstStyle/>
+          <a:p>
+            <a:r>
+              <a:rPr lang="en-US" altLang="zh-CN" dirty="0" smtClean="0"/>
+              <a:t>weibo.com: @</a:t>
+            </a:r>
+            <a:r>
+              <a:rPr lang="zh-CN" altLang="en-US" dirty="0" smtClean="0"/>
+              <a:t>宇义</a:t>
+            </a:r>
+            <a:endParaRPr lang="en-US" altLang="zh-CN" dirty="0" smtClean="0"/>
+          </a:p>
+          <a:p>
+            <a:r>
+              <a:rPr lang="en-US" altLang="zh-CN" dirty="0" smtClean="0"/>
+              <a:t>mail: goto100@gmail.com</a:t>
+            </a:r>
+            <a:endParaRPr lang="zh-CN" altLang="en-US" dirty="0"/>
+          </a:p>
+        </p:txBody>
+      </p:sp>
+    </p:spTree>
+    <p:extLst>
+      <p:ext uri="{BB962C8B-B14F-4D97-AF65-F5344CB8AC3E}">
+        <p14:creationId xmlns:p14="http://schemas.microsoft.com/office/powerpoint/2010/main" val="508033697"/>
+      </p:ext>
+    </p:extLst>
+  </p:cSld>
+  <p:clrMapOvr>
+    <a:masterClrMapping/>
+  </p:clrMapOvr>
+  <p:timing>
+    <p:tnLst>
+      <p:par>
+        <p:cTn id="1" dur="indefinite" restart="never" nodeType="tmRoot"/>
+      </p:par>
+    </p:tnLst>
+  </p:timing>
 </p:sld>
 </file>
 
@@ -5660,6 +5896,13 @@
   <p:clrMapOvr>
     <a:masterClrMapping/>
   </p:clrMapOvr>
+  <p:timing>
+    <p:tnLst>
+      <p:par>
+        <p:cTn id="1" dur="indefinite" restart="never" nodeType="tmRoot"/>
+      </p:par>
+    </p:tnLst>
+  </p:timing>
 </p:sld>
 </file>
 
@@ -5762,6 +6005,13 @@
   <p:clrMapOvr>
     <a:masterClrMapping/>
   </p:clrMapOvr>
+  <p:timing>
+    <p:tnLst>
+      <p:par>
+        <p:cTn id="1" dur="indefinite" restart="never" nodeType="tmRoot"/>
+      </p:par>
+    </p:tnLst>
+  </p:timing>
 </p:sld>
 </file>
 
@@ -5908,6 +6158,13 @@
   <p:clrMapOvr>
     <a:masterClrMapping/>
   </p:clrMapOvr>
+  <p:timing>
+    <p:tnLst>
+      <p:par>
+        <p:cTn id="1" dur="indefinite" restart="never" nodeType="tmRoot"/>
+      </p:par>
+    </p:tnLst>
+  </p:timing>
 </p:sld>
 </file>
 
@@ -5943,18 +6200,6 @@
           <a:bodyPr/>
           <a:lstStyle/>
           <a:p>
-            <a:r>
-              <a:rPr lang="zh-CN" altLang="en-US" dirty="0" smtClean="0"/>
-              <a:t>一个</a:t>
-            </a:r>
-            <a:r>
-              <a:rPr lang="en-US" altLang="zh-CN" dirty="0" err="1" smtClean="0"/>
-              <a:t>opm</a:t>
-            </a:r>
-            <a:r>
-              <a:rPr lang="zh-CN" altLang="en-US" dirty="0" smtClean="0"/>
-              <a:t>项目</a:t>
-            </a:r>
             <a:endParaRPr lang="zh-CN" altLang="en-US" dirty="0"/>
           </a:p>
         </p:txBody>
@@ -5976,118 +6221,21 @@
           <a:p>
             <a:r>
               <a:rPr lang="zh-CN" altLang="en-US" dirty="0" smtClean="0"/>
-              <a:t>一个</a:t>
-            </a:r>
+              <a:t>与人人网业务无关</a:t>
+            </a:r>
+            <a:endParaRPr lang="en-US" altLang="zh-CN" dirty="0" smtClean="0"/>
+          </a:p>
+          <a:p>
+            <a:r>
+              <a:rPr lang="zh-CN" altLang="en-US" dirty="0" smtClean="0"/>
+              <a:t>完全开源</a:t>
+            </a:r>
+            <a:endParaRPr lang="en-US" altLang="zh-CN" dirty="0" smtClean="0"/>
+          </a:p>
+          <a:p>
             <a:r>
               <a:rPr lang="en-US" altLang="zh-CN" dirty="0" smtClean="0"/>
-              <a:t>template-config.xml</a:t>
-            </a:r>
-            <a:r>
-              <a:rPr lang="zh-CN" altLang="en-US" dirty="0" smtClean="0"/>
-              <a:t>文件</a:t>
-            </a:r>
-            <a:endParaRPr lang="en-US" altLang="zh-CN" dirty="0" smtClean="0"/>
-          </a:p>
-          <a:p>
-            <a:r>
-              <a:rPr lang="en-US" altLang="zh-CN" dirty="0" smtClean="0"/>
-              <a:t>doc</a:t>
-            </a:r>
-            <a:r>
-              <a:rPr lang="zh-CN" altLang="en-US" dirty="0" smtClean="0"/>
-              <a:t>目录 </a:t>
-            </a:r>
-            <a:r>
-              <a:rPr lang="en-US" altLang="zh-CN" dirty="0" smtClean="0"/>
-              <a:t>- </a:t>
-            </a:r>
-            <a:r>
-              <a:rPr lang="zh-CN" altLang="en-US" dirty="0" smtClean="0"/>
-              <a:t>项目文档</a:t>
-            </a:r>
-            <a:endParaRPr lang="en-US" altLang="zh-CN" dirty="0" smtClean="0"/>
-          </a:p>
-          <a:p>
-            <a:r>
-              <a:rPr lang="en-US" altLang="zh-CN" dirty="0" smtClean="0"/>
-              <a:t>lib</a:t>
-            </a:r>
-            <a:r>
-              <a:rPr lang="zh-CN" altLang="en-US" dirty="0" smtClean="0"/>
-              <a:t>目录 </a:t>
-            </a:r>
-            <a:r>
-              <a:rPr lang="en-US" altLang="zh-CN" dirty="0" smtClean="0"/>
-              <a:t>- </a:t>
-            </a:r>
-            <a:r>
-              <a:rPr lang="zh-CN" altLang="en-US" dirty="0" smtClean="0"/>
-              <a:t>相关依赖库</a:t>
-            </a:r>
-            <a:endParaRPr lang="en-US" altLang="zh-CN" dirty="0" smtClean="0"/>
-          </a:p>
-          <a:p>
-            <a:r>
-              <a:rPr lang="en-US" altLang="zh-CN" dirty="0" smtClean="0"/>
-              <a:t>res</a:t>
-            </a:r>
-            <a:r>
-              <a:rPr lang="zh-CN" altLang="en-US" dirty="0" smtClean="0"/>
-              <a:t>目录 </a:t>
-            </a:r>
-            <a:r>
-              <a:rPr lang="en-US" altLang="zh-CN" dirty="0" smtClean="0"/>
-              <a:t>- </a:t>
-            </a:r>
-            <a:r>
-              <a:rPr lang="zh-CN" altLang="en-US" dirty="0" smtClean="0"/>
-              <a:t>资源文件（图片、</a:t>
-            </a:r>
-            <a:r>
-              <a:rPr lang="en-US" altLang="zh-CN" dirty="0" smtClean="0"/>
-              <a:t>flash</a:t>
-            </a:r>
-            <a:r>
-              <a:rPr lang="zh-CN" altLang="en-US" dirty="0" smtClean="0"/>
-              <a:t>）</a:t>
-            </a:r>
-            <a:endParaRPr lang="en-US" altLang="zh-CN" dirty="0" smtClean="0"/>
-          </a:p>
-          <a:p>
-            <a:r>
-              <a:rPr lang="en-US" altLang="zh-CN" dirty="0" smtClean="0"/>
-              <a:t>test</a:t>
-            </a:r>
-            <a:r>
-              <a:rPr lang="zh-CN" altLang="en-US" dirty="0" smtClean="0"/>
-              <a:t>目录 </a:t>
-            </a:r>
-            <a:r>
-              <a:rPr lang="en-US" altLang="zh-CN" dirty="0" smtClean="0"/>
-              <a:t>- </a:t>
-            </a:r>
-            <a:r>
-              <a:rPr lang="zh-CN" altLang="en-US" dirty="0" smtClean="0"/>
-              <a:t>测试</a:t>
-            </a:r>
-            <a:endParaRPr lang="en-US" altLang="zh-CN" dirty="0" smtClean="0"/>
-          </a:p>
-          <a:p>
-            <a:r>
-              <a:rPr lang="en-US" altLang="zh-CN" dirty="0" err="1" smtClean="0"/>
-              <a:t>src</a:t>
-            </a:r>
-            <a:r>
-              <a:rPr lang="zh-CN" altLang="en-US" dirty="0" smtClean="0"/>
-              <a:t>目录 </a:t>
-            </a:r>
-            <a:r>
-              <a:rPr lang="en-US" altLang="zh-CN" dirty="0" smtClean="0"/>
-              <a:t>- </a:t>
-            </a:r>
-            <a:r>
-              <a:rPr lang="zh-CN" altLang="en-US" dirty="0" smtClean="0"/>
-              <a:t>项目源代码</a:t>
+              <a:t>http://staticcompiler.googlecode.com/</a:t>
             </a:r>
             <a:endParaRPr lang="zh-CN" altLang="en-US" dirty="0"/>
           </a:p>
@@ -6096,13 +6244,20 @@
     </p:spTree>
     <p:extLst>
       <p:ext uri="{BB962C8B-B14F-4D97-AF65-F5344CB8AC3E}">
-        <p14:creationId xmlns:p14="http://schemas.microsoft.com/office/powerpoint/2010/main" val="3010800054"/>
+        <p14:creationId xmlns:p14="http://schemas.microsoft.com/office/powerpoint/2010/main" val="3849707639"/>
       </p:ext>
     </p:extLst>
   </p:cSld>
   <p:clrMapOvr>
     <a:masterClrMapping/>
   </p:clrMapOvr>
+  <p:timing>
+    <p:tnLst>
+      <p:par>
+        <p:cTn id="1" dur="indefinite" restart="never" nodeType="tmRoot"/>
+      </p:par>
+    </p:tnLst>
+  </p:timing>
 </p:sld>
 </file>
 
@@ -6140,7 +6295,15 @@
           <a:p>
             <a:r>
               <a:rPr lang="zh-CN" altLang="en-US" dirty="0" smtClean="0"/>
-              <a:t>库</a:t>
+              <a:t>一个</a:t>
+            </a:r>
+            <a:r>
+              <a:rPr lang="en-US" altLang="zh-CN" dirty="0" err="1" smtClean="0"/>
+              <a:t>opm</a:t>
+            </a:r>
+            <a:r>
+              <a:rPr lang="zh-CN" altLang="en-US" dirty="0" smtClean="0"/>
+              <a:t>项目</a:t>
             </a:r>
             <a:endParaRPr lang="zh-CN" altLang="en-US" dirty="0"/>
           </a:p>
@@ -6158,131 +6321,145 @@
         </p:nvSpPr>
         <p:spPr/>
         <p:txBody>
-          <a:bodyPr>
-            <a:normAutofit fontScale="92500" lnSpcReduction="10000"/>
-          </a:bodyPr>
-          <a:lstStyle/>
-          <a:p>
-            <a:r>
-              <a:rPr lang="zh-CN" altLang="en-US" dirty="0" smtClean="0"/>
-              <a:t>前端静态“库”，包括</a:t>
-            </a:r>
+          <a:bodyPr/>
+          <a:lstStyle/>
+          <a:p>
+            <a:r>
+              <a:rPr lang="zh-CN" altLang="en-US" dirty="0" smtClean="0"/>
+              <a:t>一个</a:t>
+            </a:r>
+            <a:r>
+              <a:rPr lang="en-US" altLang="zh-CN" dirty="0" smtClean="0"/>
+              <a:t>template-config.xml</a:t>
+            </a:r>
+            <a:r>
+              <a:rPr lang="zh-CN" altLang="en-US" dirty="0" smtClean="0"/>
+              <a:t>文件</a:t>
+            </a:r>
+            <a:endParaRPr lang="en-US" altLang="zh-CN" dirty="0" smtClean="0"/>
+          </a:p>
+          <a:p>
+            <a:r>
+              <a:rPr lang="en-US" altLang="zh-CN" dirty="0" smtClean="0"/>
+              <a:t>doc</a:t>
+            </a:r>
+            <a:r>
+              <a:rPr lang="zh-CN" altLang="en-US" dirty="0" smtClean="0"/>
+              <a:t>目录 </a:t>
+            </a:r>
+            <a:r>
+              <a:rPr lang="en-US" altLang="zh-CN" dirty="0" smtClean="0"/>
+              <a:t>- </a:t>
+            </a:r>
+            <a:r>
+              <a:rPr lang="zh-CN" altLang="en-US" dirty="0" smtClean="0"/>
+              <a:t>项目文档</a:t>
+            </a:r>
+            <a:endParaRPr lang="en-US" altLang="zh-CN" dirty="0" smtClean="0"/>
+          </a:p>
+          <a:p>
+            <a:r>
+              <a:rPr lang="en-US" altLang="zh-CN" dirty="0" smtClean="0"/>
+              <a:t>lib</a:t>
+            </a:r>
+            <a:r>
+              <a:rPr lang="zh-CN" altLang="en-US" dirty="0" smtClean="0"/>
+              <a:t>目录 </a:t>
+            </a:r>
+            <a:r>
+              <a:rPr lang="en-US" altLang="zh-CN" dirty="0" smtClean="0"/>
+              <a:t>- </a:t>
+            </a:r>
+            <a:r>
+              <a:rPr lang="zh-CN" altLang="en-US" dirty="0" smtClean="0"/>
+              <a:t>相关依赖库</a:t>
+            </a:r>
+            <a:endParaRPr lang="en-US" altLang="zh-CN" dirty="0" smtClean="0"/>
+          </a:p>
+          <a:p>
+            <a:r>
+              <a:rPr lang="en-US" altLang="zh-CN" dirty="0" smtClean="0"/>
+              <a:t>res</a:t>
+            </a:r>
+            <a:r>
+              <a:rPr lang="zh-CN" altLang="en-US" dirty="0" smtClean="0"/>
+              <a:t>目录 </a:t>
+            </a:r>
+            <a:r>
+              <a:rPr lang="en-US" altLang="zh-CN" dirty="0" smtClean="0"/>
+              <a:t>- </a:t>
+            </a:r>
+            <a:r>
+              <a:rPr lang="zh-CN" altLang="en-US" dirty="0" smtClean="0"/>
+              <a:t>资源文件（图片、</a:t>
+            </a:r>
+            <a:r>
+              <a:rPr lang="en-US" altLang="zh-CN" dirty="0" smtClean="0"/>
+              <a:t>flash</a:t>
+            </a:r>
+            <a:r>
+              <a:rPr lang="zh-CN" altLang="en-US" dirty="0" smtClean="0"/>
+              <a:t>）</a:t>
+            </a:r>
+            <a:endParaRPr lang="en-US" altLang="zh-CN" dirty="0" smtClean="0"/>
+          </a:p>
+          <a:p>
+            <a:r>
+              <a:rPr lang="en-US" altLang="zh-CN" dirty="0" smtClean="0"/>
+              <a:t>test</a:t>
+            </a:r>
+            <a:r>
+              <a:rPr lang="zh-CN" altLang="en-US" dirty="0" smtClean="0"/>
+              <a:t>目录 </a:t>
+            </a:r>
+            <a:r>
+              <a:rPr lang="en-US" altLang="zh-CN" dirty="0" smtClean="0"/>
+              <a:t>- </a:t>
+            </a:r>
+            <a:r>
+              <a:rPr lang="zh-CN" altLang="en-US" dirty="0" smtClean="0"/>
+              <a:t>测试</a:t>
+            </a:r>
+            <a:endParaRPr lang="en-US" altLang="zh-CN" dirty="0" smtClean="0"/>
+          </a:p>
+          <a:p>
             <a:r>
               <a:rPr lang="en-US" altLang="zh-CN" dirty="0" err="1" smtClean="0"/>
-              <a:t>css</a:t>
+              <a:t>src</a:t>
+            </a:r>
+            <a:r>
+              <a:rPr lang="zh-CN" altLang="en-US" dirty="0" smtClean="0"/>
+              <a:t>目录 </a:t>
             </a:r>
             <a:r>
               <a:rPr lang="en-US" altLang="zh-CN" dirty="0" smtClean="0"/>
-              <a:t>/</a:t>
-            </a:r>
-            <a:r>
-              <a:rPr lang="en-US" altLang="zh-CN" dirty="0" err="1" smtClean="0"/>
-              <a:t>js</a:t>
-            </a:r>
-            <a:r>
-              <a:rPr lang="en-US" altLang="zh-CN" dirty="0" smtClean="0"/>
-              <a:t>/</a:t>
-            </a:r>
-            <a:r>
-              <a:rPr lang="zh-CN" altLang="en-US" dirty="0" smtClean="0"/>
-              <a:t>图片</a:t>
-            </a:r>
-            <a:r>
-              <a:rPr lang="en-US" altLang="zh-CN" dirty="0" smtClean="0"/>
-              <a:t>/</a:t>
-            </a:r>
-            <a:r>
-              <a:rPr lang="en-US" altLang="zh-CN" dirty="0" err="1" smtClean="0"/>
-              <a:t>swf</a:t>
-            </a:r>
-            <a:r>
-              <a:rPr lang="zh-CN" altLang="en-US" dirty="0" smtClean="0"/>
-              <a:t>等静态资源</a:t>
-            </a:r>
-            <a:endParaRPr lang="en-US" altLang="zh-CN" dirty="0" smtClean="0"/>
-          </a:p>
-          <a:p>
-            <a:r>
-              <a:rPr lang="zh-CN" altLang="en-US" dirty="0" smtClean="0"/>
-              <a:t>严格区分“源</a:t>
-            </a:r>
-            <a:r>
-              <a:rPr lang="zh-CN" altLang="en-US" dirty="0"/>
-              <a:t>库</a:t>
-            </a:r>
-            <a:r>
-              <a:rPr lang="zh-CN" altLang="en-US" dirty="0" smtClean="0"/>
-              <a:t>”与“发布库”</a:t>
-            </a:r>
-            <a:endParaRPr lang="en-US" altLang="zh-CN" dirty="0" smtClean="0"/>
-          </a:p>
-          <a:p>
-            <a:r>
-              <a:rPr lang="zh-CN" altLang="en-US" dirty="0" smtClean="0"/>
-              <a:t>每个源库可选一个唯一标识，格式一个</a:t>
-            </a:r>
-            <a:r>
-              <a:rPr lang="en-US" altLang="zh-CN" dirty="0" err="1" smtClean="0"/>
-              <a:t>url</a:t>
-            </a:r>
-            <a:endParaRPr lang="en-US" altLang="zh-CN" dirty="0" smtClean="0"/>
-          </a:p>
-          <a:p>
-            <a:r>
-              <a:rPr lang="zh-CN" altLang="en-US" dirty="0" smtClean="0"/>
-              <a:t>保持每个库的独立性，不通过路径进行依赖，通过唯一标识处理</a:t>
-            </a:r>
-            <a:r>
-              <a:rPr lang="zh-CN" altLang="en-US" dirty="0" smtClean="0"/>
-              <a:t>依赖</a:t>
-            </a:r>
-            <a:endParaRPr lang="en-US" altLang="zh-CN" dirty="0"/>
-          </a:p>
-          <a:p>
-            <a:r>
-              <a:rPr lang="zh-CN" altLang="en-US" dirty="0" smtClean="0"/>
-              <a:t>源库中只存在最小粒度的源文件</a:t>
-            </a:r>
-            <a:endParaRPr lang="en-US" altLang="zh-CN" dirty="0"/>
-          </a:p>
-          <a:p>
-            <a:r>
-              <a:rPr lang="zh-CN" altLang="en-US" dirty="0" smtClean="0"/>
-              <a:t>通过</a:t>
-            </a:r>
-            <a:r>
-              <a:rPr lang="en-US" altLang="zh-CN" dirty="0" err="1" smtClean="0"/>
-              <a:t>init</a:t>
-            </a:r>
-            <a:r>
-              <a:rPr lang="zh-CN" altLang="en-US" dirty="0" smtClean="0"/>
-              <a:t>命令初始化一个源库</a:t>
-            </a:r>
-            <a:endParaRPr lang="en-US" altLang="zh-CN" dirty="0" smtClean="0"/>
-          </a:p>
-          <a:p>
-            <a:r>
-              <a:rPr lang="en-US" altLang="zh-CN" dirty="0" smtClean="0"/>
-              <a:t>template-config.xml </a:t>
-            </a:r>
-            <a:r>
-              <a:rPr lang="zh-CN" altLang="en-US" dirty="0" smtClean="0"/>
-              <a:t>标识一个库</a:t>
-            </a:r>
-            <a:endParaRPr lang="en-US" altLang="zh-CN" dirty="0" smtClean="0"/>
+              <a:t>- </a:t>
+            </a:r>
+            <a:r>
+              <a:rPr lang="zh-CN" altLang="en-US" dirty="0" smtClean="0"/>
+              <a:t>项目源代码</a:t>
+            </a:r>
+            <a:endParaRPr lang="zh-CN" altLang="en-US" dirty="0"/>
           </a:p>
         </p:txBody>
       </p:sp>
     </p:spTree>
     <p:extLst>
       <p:ext uri="{BB962C8B-B14F-4D97-AF65-F5344CB8AC3E}">
-        <p14:creationId xmlns:p14="http://schemas.microsoft.com/office/powerpoint/2010/main" val="1352425780"/>
+        <p14:creationId xmlns:p14="http://schemas.microsoft.com/office/powerpoint/2010/main" val="3010800054"/>
       </p:ext>
     </p:extLst>
   </p:cSld>
   <p:clrMapOvr>
     <a:masterClrMapping/>
   </p:clrMapOvr>
+  <p:timing>
+    <p:tnLst>
+      <p:par>
+        <p:cTn id="1" dur="indefinite" restart="never" nodeType="tmRoot"/>
+      </p:par>
+    </p:tnLst>
+  </p:timing>
 </p:sld>
 </file>
 
@@ -6339,67 +6516,120 @@
         <p:spPr/>
         <p:txBody>
           <a:bodyPr>
-            <a:normAutofit/>
+            <a:normAutofit fontScale="92500" lnSpcReduction="10000"/>
           </a:bodyPr>
           <a:lstStyle/>
           <a:p>
             <a:r>
               <a:rPr lang="zh-CN" altLang="en-US" dirty="0" smtClean="0"/>
-              <a:t>一个源库可以对应多个发布库</a:t>
+              <a:t>前端静态“库”，包括</a:t>
+            </a:r>
+            <a:r>
+              <a:rPr lang="en-US" altLang="zh-CN" dirty="0" err="1" smtClean="0"/>
+              <a:t>css</a:t>
+            </a:r>
+            <a:r>
+              <a:rPr lang="en-US" altLang="zh-CN" dirty="0" smtClean="0"/>
+              <a:t>/</a:t>
+            </a:r>
+            <a:r>
+              <a:rPr lang="en-US" altLang="zh-CN" dirty="0" err="1" smtClean="0"/>
+              <a:t>js</a:t>
+            </a:r>
+            <a:r>
+              <a:rPr lang="en-US" altLang="zh-CN" dirty="0" smtClean="0"/>
+              <a:t>/</a:t>
+            </a:r>
+            <a:r>
+              <a:rPr lang="zh-CN" altLang="en-US" dirty="0" smtClean="0"/>
+              <a:t>图片</a:t>
+            </a:r>
+            <a:r>
+              <a:rPr lang="en-US" altLang="zh-CN" dirty="0" smtClean="0"/>
+              <a:t>/</a:t>
+            </a:r>
+            <a:r>
+              <a:rPr lang="en-US" altLang="zh-CN" dirty="0" err="1" smtClean="0"/>
+              <a:t>swf</a:t>
+            </a:r>
+            <a:r>
+              <a:rPr lang="zh-CN" altLang="en-US" dirty="0" smtClean="0"/>
+              <a:t>等静态资源</a:t>
             </a:r>
             <a:endParaRPr lang="en-US" altLang="zh-CN" dirty="0" smtClean="0"/>
           </a:p>
           <a:p>
             <a:r>
+              <a:rPr lang="zh-CN" altLang="en-US" dirty="0" smtClean="0"/>
+              <a:t>严格区分“源</a:t>
+            </a:r>
+            <a:r>
               <a:rPr lang="zh-CN" altLang="en-US" dirty="0"/>
-              <a:t>一</a:t>
-            </a:r>
-            <a:r>
-              <a:rPr lang="zh-CN" altLang="en-US" dirty="0" smtClean="0"/>
-              <a:t>个发布库对应一个源库</a:t>
+              <a:t>库</a:t>
+            </a:r>
+            <a:r>
+              <a:rPr lang="zh-CN" altLang="en-US" dirty="0" smtClean="0"/>
+              <a:t>”与“发布库”</a:t>
             </a:r>
             <a:endParaRPr lang="en-US" altLang="zh-CN" dirty="0" smtClean="0"/>
           </a:p>
           <a:p>
             <a:r>
               <a:rPr lang="zh-CN" altLang="en-US" dirty="0" smtClean="0"/>
-              <a:t>对于</a:t>
-            </a:r>
-            <a:r>
-              <a:rPr lang="zh-CN" altLang="en-US" dirty="0"/>
-              <a:t>源</a:t>
-            </a:r>
-            <a:r>
-              <a:rPr lang="zh-CN" altLang="en-US" dirty="0" smtClean="0"/>
-              <a:t>库，发布库是无形的，源库不保存发布库的任何信息</a:t>
+              <a:t>每个源库可选一个唯一标识，格式一个</a:t>
+            </a:r>
+            <a:r>
+              <a:rPr lang="en-US" altLang="zh-CN" dirty="0" err="1" smtClean="0"/>
+              <a:t>url</a:t>
             </a:r>
             <a:endParaRPr lang="en-US" altLang="zh-CN" dirty="0" smtClean="0"/>
           </a:p>
           <a:p>
             <a:r>
-              <a:rPr lang="zh-CN" altLang="en-US" dirty="0"/>
-              <a:t>源库与发布库之间通过</a:t>
-            </a:r>
-            <a:r>
-              <a:rPr lang="en-US" altLang="zh-CN" dirty="0"/>
-              <a:t>link</a:t>
-            </a:r>
-            <a:r>
-              <a:rPr lang="zh-CN" altLang="en-US" dirty="0"/>
-              <a:t>命令进行连接，有两种连接方式，本地连接和标识</a:t>
-            </a:r>
-            <a:r>
-              <a:rPr lang="zh-CN" altLang="en-US" dirty="0" smtClean="0"/>
-              <a:t>连接</a:t>
+              <a:rPr lang="zh-CN" altLang="en-US" dirty="0" smtClean="0"/>
+              <a:t>保持每个库的独立性，不通过路径进行依赖，通过唯一标识处理依赖</a:t>
             </a:r>
             <a:endParaRPr lang="en-US" altLang="zh-CN" dirty="0"/>
+          </a:p>
+          <a:p>
+            <a:r>
+              <a:rPr lang="zh-CN" altLang="en-US" dirty="0" smtClean="0"/>
+              <a:t>源库中只存在最小粒度的源文件</a:t>
+            </a:r>
+            <a:endParaRPr lang="en-US" altLang="zh-CN" dirty="0"/>
+          </a:p>
+          <a:p>
+            <a:r>
+              <a:rPr lang="zh-CN" altLang="en-US" dirty="0" smtClean="0"/>
+              <a:t>通过</a:t>
+            </a:r>
+            <a:r>
+              <a:rPr lang="en-US" altLang="zh-CN" dirty="0" err="1" smtClean="0"/>
+              <a:t>init</a:t>
+            </a:r>
+            <a:r>
+              <a:rPr lang="zh-CN" altLang="en-US" dirty="0" smtClean="0"/>
+              <a:t>命令初始化一个源库</a:t>
+            </a:r>
+            <a:endParaRPr lang="en-US" altLang="zh-CN" dirty="0" smtClean="0"/>
+          </a:p>
+          <a:p>
+            <a:r>
+              <a:rPr lang="en-US" altLang="zh-CN" dirty="0" smtClean="0"/>
+              <a:t>template-config.xml </a:t>
+            </a:r>
+            <a:r>
+              <a:rPr lang="zh-CN" altLang="en-US" dirty="0" smtClean="0"/>
+              <a:t>标识一个库</a:t>
+            </a:r>
+            <a:endParaRPr lang="en-US" altLang="zh-CN" dirty="0" smtClean="0"/>
           </a:p>
         </p:txBody>
       </p:sp>
     </p:spTree>
     <p:extLst>
       <p:ext uri="{BB962C8B-B14F-4D97-AF65-F5344CB8AC3E}">
-        <p14:creationId xmlns:p14="http://schemas.microsoft.com/office/powerpoint/2010/main" val="1564605907"/>
+        <p14:creationId xmlns:p14="http://schemas.microsoft.com/office/powerpoint/2010/main" val="1352425780"/>
       </p:ext>
     </p:extLst>
   </p:cSld>
@@ -6443,7 +6673,7 @@
           <a:p>
             <a:r>
               <a:rPr lang="zh-CN" altLang="en-US" dirty="0" smtClean="0"/>
-              <a:t>本地连接</a:t>
+              <a:t>库</a:t>
             </a:r>
             <a:endParaRPr lang="zh-CN" altLang="en-US" dirty="0"/>
           </a:p>
@@ -6461,57 +6691,68 @@
         </p:nvSpPr>
         <p:spPr/>
         <p:txBody>
-          <a:bodyPr/>
-          <a:lstStyle/>
+          <a:bodyPr>
+            <a:normAutofit/>
+          </a:bodyPr>
+          <a:lstStyle/>
+          <a:p>
+            <a:r>
+              <a:rPr lang="zh-CN" altLang="en-US" dirty="0" smtClean="0"/>
+              <a:t>一个源库可以对应多个发布库</a:t>
+            </a:r>
+            <a:endParaRPr lang="en-US" altLang="zh-CN" dirty="0" smtClean="0"/>
+          </a:p>
           <a:p>
             <a:r>
               <a:rPr lang="zh-CN" altLang="en-US" dirty="0"/>
-              <a:t>本地连接，发布库中直接保存了源库的</a:t>
-            </a:r>
-            <a:r>
-              <a:rPr lang="zh-CN" altLang="en-US" dirty="0" smtClean="0"/>
-              <a:t>本地路径</a:t>
+              <a:t>一</a:t>
+            </a:r>
+            <a:r>
+              <a:rPr lang="zh-CN" altLang="en-US" dirty="0" smtClean="0"/>
+              <a:t>个发布库对应一个源库</a:t>
             </a:r>
             <a:endParaRPr lang="en-US" altLang="zh-CN" dirty="0" smtClean="0"/>
           </a:p>
           <a:p>
             <a:r>
               <a:rPr lang="zh-CN" altLang="en-US" dirty="0" smtClean="0"/>
-              <a:t>优点：无需工作区支持</a:t>
+              <a:t>对于</a:t>
+            </a:r>
+            <a:r>
+              <a:rPr lang="zh-CN" altLang="en-US" dirty="0"/>
+              <a:t>源</a:t>
+            </a:r>
+            <a:r>
+              <a:rPr lang="zh-CN" altLang="en-US" dirty="0" smtClean="0"/>
+              <a:t>库，发布库是无形的，源库不保存发布库的任何信息</a:t>
             </a:r>
             <a:endParaRPr lang="en-US" altLang="zh-CN" dirty="0" smtClean="0"/>
           </a:p>
           <a:p>
             <a:r>
-              <a:rPr lang="zh-CN" altLang="en-US" dirty="0" smtClean="0"/>
-              <a:t>缺点：每个开发人员都需要自己通过</a:t>
-            </a:r>
-            <a:r>
-              <a:rPr lang="en-US" altLang="zh-CN" dirty="0" smtClean="0"/>
+              <a:rPr lang="zh-CN" altLang="en-US" dirty="0"/>
+              <a:t>源库与发布库之间通过</a:t>
+            </a:r>
+            <a:r>
+              <a:rPr lang="en-US" altLang="zh-CN" dirty="0"/>
               <a:t>link</a:t>
             </a:r>
             <a:r>
-              <a:rPr lang="zh-CN" altLang="en-US" dirty="0" smtClean="0"/>
-              <a:t>命令建立连接；无法处理依赖</a:t>
-            </a:r>
-            <a:endParaRPr lang="en-US" altLang="zh-CN" dirty="0" smtClean="0"/>
-          </a:p>
-          <a:p>
-            <a:r>
-              <a:rPr lang="zh-CN" altLang="en-US" dirty="0" smtClean="0"/>
-              <a:t>用于：独立、临时性的小项目</a:t>
+              <a:rPr lang="zh-CN" altLang="en-US" dirty="0"/>
+              <a:t>命令进行连接，有两种连接方式，本地连接和标识</a:t>
+            </a:r>
+            <a:r>
+              <a:rPr lang="zh-CN" altLang="en-US" dirty="0" smtClean="0"/>
+              <a:t>连接</a:t>
             </a:r>
             <a:endParaRPr lang="en-US" altLang="zh-CN" dirty="0"/>
-          </a:p>
-          <a:p>
-            <a:endParaRPr lang="zh-CN" altLang="en-US" dirty="0"/>
           </a:p>
         </p:txBody>
       </p:sp>
     </p:spTree>
     <p:extLst>
       <p:ext uri="{BB962C8B-B14F-4D97-AF65-F5344CB8AC3E}">
-        <p14:creationId xmlns:p14="http://schemas.microsoft.com/office/powerpoint/2010/main" val="1302377778"/>
+        <p14:creationId xmlns:p14="http://schemas.microsoft.com/office/powerpoint/2010/main" val="1564605907"/>
       </p:ext>
     </p:extLst>
   </p:cSld>
